--- a/presentations/Practical_4_Velvet_de_novo_assembly.pptx
+++ b/presentations/Practical_4_Velvet_de_novo_assembly.pptx
@@ -1,6 +1,6 @@
 
 <file path=ppt/presentation.xml><?xml version="1.0" encoding="utf-8"?>
-<p:presentation xmlns:a="http://schemas.openxmlformats.org/drawingml/2006/main" xmlns:r="http://schemas.openxmlformats.org/officeDocument/2006/relationships" xmlns:p="http://schemas.openxmlformats.org/presentationml/2006/main" saveSubsetFonts="1">
+<p:presentation xmlns:a="http://schemas.openxmlformats.org/drawingml/2006/main" xmlns:r="http://schemas.openxmlformats.org/officeDocument/2006/relationships" xmlns:mc="http://schemas.openxmlformats.org/markup-compatibility/2006" xmlns:mv="urn:schemas-microsoft-com:mac:vml" xmlns:p="http://schemas.openxmlformats.org/presentationml/2006/main" mc:Ignorable="mv" mc:PreserveAttributes="mv:*" saveSubsetFonts="1">
   <p:sldMasterIdLst>
     <p:sldMasterId id="2147483648" r:id="rId1"/>
   </p:sldMasterIdLst>
@@ -120,7 +120,7 @@
 </file>
 
 <file path=ppt/slideLayouts/slideLayout1.xml><?xml version="1.0" encoding="utf-8"?>
-<p:sldLayout xmlns:a="http://schemas.openxmlformats.org/drawingml/2006/main" xmlns:r="http://schemas.openxmlformats.org/officeDocument/2006/relationships" xmlns:p="http://schemas.openxmlformats.org/presentationml/2006/main" type="title" preserve="1">
+<p:sldLayout xmlns:a="http://schemas.openxmlformats.org/drawingml/2006/main" xmlns:r="http://schemas.openxmlformats.org/officeDocument/2006/relationships" xmlns:mc="http://schemas.openxmlformats.org/markup-compatibility/2006" xmlns:mv="urn:schemas-microsoft-com:mac:vml" xmlns:p="http://schemas.openxmlformats.org/presentationml/2006/main" mc:Ignorable="mv" mc:PreserveAttributes="mv:*" type="title" preserve="1">
   <p:cSld name="Title Slide">
     <p:spTree>
       <p:nvGrpSpPr>
@@ -301,7 +301,7 @@
             <a:fld id="{948CAB4A-A7C1-47D0-B80E-76F84C3895A9}" type="datetimeFigureOut">
               <a:rPr lang="en-GB" smtClean="0"/>
               <a:pPr/>
-              <a:t>23/10/2011</a:t>
+              <a:t>10/24/11</a:t>
             </a:fld>
             <a:endParaRPr lang="en-GB"/>
           </a:p>
@@ -359,7 +359,7 @@
 </file>
 
 <file path=ppt/slideLayouts/slideLayout10.xml><?xml version="1.0" encoding="utf-8"?>
-<p:sldLayout xmlns:a="http://schemas.openxmlformats.org/drawingml/2006/main" xmlns:r="http://schemas.openxmlformats.org/officeDocument/2006/relationships" xmlns:p="http://schemas.openxmlformats.org/presentationml/2006/main" type="vertTx" preserve="1">
+<p:sldLayout xmlns:a="http://schemas.openxmlformats.org/drawingml/2006/main" xmlns:r="http://schemas.openxmlformats.org/officeDocument/2006/relationships" xmlns:mc="http://schemas.openxmlformats.org/markup-compatibility/2006" xmlns:mv="urn:schemas-microsoft-com:mac:vml" xmlns:p="http://schemas.openxmlformats.org/presentationml/2006/main" mc:Ignorable="mv" mc:PreserveAttributes="mv:*" type="vertTx" preserve="1">
   <p:cSld name="Title and Vertical Text">
     <p:spTree>
       <p:nvGrpSpPr>
@@ -468,7 +468,7 @@
             <a:fld id="{948CAB4A-A7C1-47D0-B80E-76F84C3895A9}" type="datetimeFigureOut">
               <a:rPr lang="en-GB" smtClean="0"/>
               <a:pPr/>
-              <a:t>23/10/2011</a:t>
+              <a:t>10/24/11</a:t>
             </a:fld>
             <a:endParaRPr lang="en-GB"/>
           </a:p>
@@ -526,7 +526,7 @@
 </file>
 
 <file path=ppt/slideLayouts/slideLayout11.xml><?xml version="1.0" encoding="utf-8"?>
-<p:sldLayout xmlns:a="http://schemas.openxmlformats.org/drawingml/2006/main" xmlns:r="http://schemas.openxmlformats.org/officeDocument/2006/relationships" xmlns:p="http://schemas.openxmlformats.org/presentationml/2006/main" type="vertTitleAndTx" preserve="1">
+<p:sldLayout xmlns:a="http://schemas.openxmlformats.org/drawingml/2006/main" xmlns:r="http://schemas.openxmlformats.org/officeDocument/2006/relationships" xmlns:mc="http://schemas.openxmlformats.org/markup-compatibility/2006" xmlns:mv="urn:schemas-microsoft-com:mac:vml" xmlns:p="http://schemas.openxmlformats.org/presentationml/2006/main" mc:Ignorable="mv" mc:PreserveAttributes="mv:*" type="vertTitleAndTx" preserve="1">
   <p:cSld name="Vertical Title and Text">
     <p:spTree>
       <p:nvGrpSpPr>
@@ -645,7 +645,7 @@
             <a:fld id="{948CAB4A-A7C1-47D0-B80E-76F84C3895A9}" type="datetimeFigureOut">
               <a:rPr lang="en-GB" smtClean="0"/>
               <a:pPr/>
-              <a:t>23/10/2011</a:t>
+              <a:t>10/24/11</a:t>
             </a:fld>
             <a:endParaRPr lang="en-GB"/>
           </a:p>
@@ -703,7 +703,7 @@
 </file>
 
 <file path=ppt/slideLayouts/slideLayout2.xml><?xml version="1.0" encoding="utf-8"?>
-<p:sldLayout xmlns:a="http://schemas.openxmlformats.org/drawingml/2006/main" xmlns:r="http://schemas.openxmlformats.org/officeDocument/2006/relationships" xmlns:p="http://schemas.openxmlformats.org/presentationml/2006/main" type="obj" preserve="1">
+<p:sldLayout xmlns:a="http://schemas.openxmlformats.org/drawingml/2006/main" xmlns:r="http://schemas.openxmlformats.org/officeDocument/2006/relationships" xmlns:mc="http://schemas.openxmlformats.org/markup-compatibility/2006" xmlns:mv="urn:schemas-microsoft-com:mac:vml" xmlns:p="http://schemas.openxmlformats.org/presentationml/2006/main" mc:Ignorable="mv" mc:PreserveAttributes="mv:*" type="obj" preserve="1">
   <p:cSld name="Title and Content">
     <p:spTree>
       <p:nvGrpSpPr>
@@ -812,7 +812,7 @@
             <a:fld id="{948CAB4A-A7C1-47D0-B80E-76F84C3895A9}" type="datetimeFigureOut">
               <a:rPr lang="en-GB" smtClean="0"/>
               <a:pPr/>
-              <a:t>23/10/2011</a:t>
+              <a:t>10/24/11</a:t>
             </a:fld>
             <a:endParaRPr lang="en-GB"/>
           </a:p>
@@ -870,7 +870,7 @@
 </file>
 
 <file path=ppt/slideLayouts/slideLayout3.xml><?xml version="1.0" encoding="utf-8"?>
-<p:sldLayout xmlns:a="http://schemas.openxmlformats.org/drawingml/2006/main" xmlns:r="http://schemas.openxmlformats.org/officeDocument/2006/relationships" xmlns:p="http://schemas.openxmlformats.org/presentationml/2006/main" type="secHead" preserve="1">
+<p:sldLayout xmlns:a="http://schemas.openxmlformats.org/drawingml/2006/main" xmlns:r="http://schemas.openxmlformats.org/officeDocument/2006/relationships" xmlns:mc="http://schemas.openxmlformats.org/markup-compatibility/2006" xmlns:mv="urn:schemas-microsoft-com:mac:vml" xmlns:p="http://schemas.openxmlformats.org/presentationml/2006/main" mc:Ignorable="mv" mc:PreserveAttributes="mv:*" type="secHead" preserve="1">
   <p:cSld name="Section Header">
     <p:spTree>
       <p:nvGrpSpPr>
@@ -1055,7 +1055,7 @@
             <a:fld id="{948CAB4A-A7C1-47D0-B80E-76F84C3895A9}" type="datetimeFigureOut">
               <a:rPr lang="en-GB" smtClean="0"/>
               <a:pPr/>
-              <a:t>23/10/2011</a:t>
+              <a:t>10/24/11</a:t>
             </a:fld>
             <a:endParaRPr lang="en-GB"/>
           </a:p>
@@ -1113,7 +1113,7 @@
 </file>
 
 <file path=ppt/slideLayouts/slideLayout4.xml><?xml version="1.0" encoding="utf-8"?>
-<p:sldLayout xmlns:a="http://schemas.openxmlformats.org/drawingml/2006/main" xmlns:r="http://schemas.openxmlformats.org/officeDocument/2006/relationships" xmlns:p="http://schemas.openxmlformats.org/presentationml/2006/main" type="twoObj" preserve="1">
+<p:sldLayout xmlns:a="http://schemas.openxmlformats.org/drawingml/2006/main" xmlns:r="http://schemas.openxmlformats.org/officeDocument/2006/relationships" xmlns:mc="http://schemas.openxmlformats.org/markup-compatibility/2006" xmlns:mv="urn:schemas-microsoft-com:mac:vml" xmlns:p="http://schemas.openxmlformats.org/presentationml/2006/main" mc:Ignorable="mv" mc:PreserveAttributes="mv:*" type="twoObj" preserve="1">
   <p:cSld name="Two Content">
     <p:spTree>
       <p:nvGrpSpPr>
@@ -1340,7 +1340,7 @@
             <a:fld id="{948CAB4A-A7C1-47D0-B80E-76F84C3895A9}" type="datetimeFigureOut">
               <a:rPr lang="en-GB" smtClean="0"/>
               <a:pPr/>
-              <a:t>23/10/2011</a:t>
+              <a:t>10/24/11</a:t>
             </a:fld>
             <a:endParaRPr lang="en-GB"/>
           </a:p>
@@ -1398,7 +1398,7 @@
 </file>
 
 <file path=ppt/slideLayouts/slideLayout5.xml><?xml version="1.0" encoding="utf-8"?>
-<p:sldLayout xmlns:a="http://schemas.openxmlformats.org/drawingml/2006/main" xmlns:r="http://schemas.openxmlformats.org/officeDocument/2006/relationships" xmlns:p="http://schemas.openxmlformats.org/presentationml/2006/main" type="twoTxTwoObj" preserve="1">
+<p:sldLayout xmlns:a="http://schemas.openxmlformats.org/drawingml/2006/main" xmlns:r="http://schemas.openxmlformats.org/officeDocument/2006/relationships" xmlns:mc="http://schemas.openxmlformats.org/markup-compatibility/2006" xmlns:mv="urn:schemas-microsoft-com:mac:vml" xmlns:p="http://schemas.openxmlformats.org/presentationml/2006/main" mc:Ignorable="mv" mc:PreserveAttributes="mv:*" type="twoTxTwoObj" preserve="1">
   <p:cSld name="Comparison">
     <p:spTree>
       <p:nvGrpSpPr>
@@ -1759,7 +1759,7 @@
             <a:fld id="{948CAB4A-A7C1-47D0-B80E-76F84C3895A9}" type="datetimeFigureOut">
               <a:rPr lang="en-GB" smtClean="0"/>
               <a:pPr/>
-              <a:t>23/10/2011</a:t>
+              <a:t>10/24/11</a:t>
             </a:fld>
             <a:endParaRPr lang="en-GB"/>
           </a:p>
@@ -1817,7 +1817,7 @@
 </file>
 
 <file path=ppt/slideLayouts/slideLayout6.xml><?xml version="1.0" encoding="utf-8"?>
-<p:sldLayout xmlns:a="http://schemas.openxmlformats.org/drawingml/2006/main" xmlns:r="http://schemas.openxmlformats.org/officeDocument/2006/relationships" xmlns:p="http://schemas.openxmlformats.org/presentationml/2006/main" type="titleOnly" preserve="1">
+<p:sldLayout xmlns:a="http://schemas.openxmlformats.org/drawingml/2006/main" xmlns:r="http://schemas.openxmlformats.org/officeDocument/2006/relationships" xmlns:mc="http://schemas.openxmlformats.org/markup-compatibility/2006" xmlns:mv="urn:schemas-microsoft-com:mac:vml" xmlns:p="http://schemas.openxmlformats.org/presentationml/2006/main" mc:Ignorable="mv" mc:PreserveAttributes="mv:*" type="titleOnly" preserve="1">
   <p:cSld name="Title Only">
     <p:spTree>
       <p:nvGrpSpPr>
@@ -1874,7 +1874,7 @@
             <a:fld id="{948CAB4A-A7C1-47D0-B80E-76F84C3895A9}" type="datetimeFigureOut">
               <a:rPr lang="en-GB" smtClean="0"/>
               <a:pPr/>
-              <a:t>23/10/2011</a:t>
+              <a:t>10/24/11</a:t>
             </a:fld>
             <a:endParaRPr lang="en-GB"/>
           </a:p>
@@ -1932,7 +1932,7 @@
 </file>
 
 <file path=ppt/slideLayouts/slideLayout7.xml><?xml version="1.0" encoding="utf-8"?>
-<p:sldLayout xmlns:a="http://schemas.openxmlformats.org/drawingml/2006/main" xmlns:r="http://schemas.openxmlformats.org/officeDocument/2006/relationships" xmlns:p="http://schemas.openxmlformats.org/presentationml/2006/main" type="blank" preserve="1">
+<p:sldLayout xmlns:a="http://schemas.openxmlformats.org/drawingml/2006/main" xmlns:r="http://schemas.openxmlformats.org/officeDocument/2006/relationships" xmlns:mc="http://schemas.openxmlformats.org/markup-compatibility/2006" xmlns:mv="urn:schemas-microsoft-com:mac:vml" xmlns:p="http://schemas.openxmlformats.org/presentationml/2006/main" mc:Ignorable="mv" mc:PreserveAttributes="mv:*" type="blank" preserve="1">
   <p:cSld name="Blank">
     <p:spTree>
       <p:nvGrpSpPr>
@@ -1966,7 +1966,7 @@
             <a:fld id="{948CAB4A-A7C1-47D0-B80E-76F84C3895A9}" type="datetimeFigureOut">
               <a:rPr lang="en-GB" smtClean="0"/>
               <a:pPr/>
-              <a:t>23/10/2011</a:t>
+              <a:t>10/24/11</a:t>
             </a:fld>
             <a:endParaRPr lang="en-GB"/>
           </a:p>
@@ -2024,7 +2024,7 @@
 </file>
 
 <file path=ppt/slideLayouts/slideLayout8.xml><?xml version="1.0" encoding="utf-8"?>
-<p:sldLayout xmlns:a="http://schemas.openxmlformats.org/drawingml/2006/main" xmlns:r="http://schemas.openxmlformats.org/officeDocument/2006/relationships" xmlns:p="http://schemas.openxmlformats.org/presentationml/2006/main" type="objTx" preserve="1">
+<p:sldLayout xmlns:a="http://schemas.openxmlformats.org/drawingml/2006/main" xmlns:r="http://schemas.openxmlformats.org/officeDocument/2006/relationships" xmlns:mc="http://schemas.openxmlformats.org/markup-compatibility/2006" xmlns:mv="urn:schemas-microsoft-com:mac:vml" xmlns:p="http://schemas.openxmlformats.org/presentationml/2006/main" mc:Ignorable="mv" mc:PreserveAttributes="mv:*" type="objTx" preserve="1">
   <p:cSld name="Content with Caption">
     <p:spTree>
       <p:nvGrpSpPr>
@@ -2240,7 +2240,7 @@
             <a:fld id="{948CAB4A-A7C1-47D0-B80E-76F84C3895A9}" type="datetimeFigureOut">
               <a:rPr lang="en-GB" smtClean="0"/>
               <a:pPr/>
-              <a:t>23/10/2011</a:t>
+              <a:t>10/24/11</a:t>
             </a:fld>
             <a:endParaRPr lang="en-GB"/>
           </a:p>
@@ -2298,7 +2298,7 @@
 </file>
 
 <file path=ppt/slideLayouts/slideLayout9.xml><?xml version="1.0" encoding="utf-8"?>
-<p:sldLayout xmlns:a="http://schemas.openxmlformats.org/drawingml/2006/main" xmlns:r="http://schemas.openxmlformats.org/officeDocument/2006/relationships" xmlns:p="http://schemas.openxmlformats.org/presentationml/2006/main" type="picTx" preserve="1">
+<p:sldLayout xmlns:a="http://schemas.openxmlformats.org/drawingml/2006/main" xmlns:r="http://schemas.openxmlformats.org/officeDocument/2006/relationships" xmlns:mc="http://schemas.openxmlformats.org/markup-compatibility/2006" xmlns:mv="urn:schemas-microsoft-com:mac:vml" xmlns:p="http://schemas.openxmlformats.org/presentationml/2006/main" mc:Ignorable="mv" mc:PreserveAttributes="mv:*" type="picTx" preserve="1">
   <p:cSld name="Picture with Caption">
     <p:spTree>
       <p:nvGrpSpPr>
@@ -2490,7 +2490,7 @@
             <a:fld id="{948CAB4A-A7C1-47D0-B80E-76F84C3895A9}" type="datetimeFigureOut">
               <a:rPr lang="en-GB" smtClean="0"/>
               <a:pPr/>
-              <a:t>23/10/2011</a:t>
+              <a:t>10/24/11</a:t>
             </a:fld>
             <a:endParaRPr lang="en-GB"/>
           </a:p>
@@ -2548,7 +2548,7 @@
 </file>
 
 <file path=ppt/slideMasters/slideMaster1.xml><?xml version="1.0" encoding="utf-8"?>
-<p:sldMaster xmlns:a="http://schemas.openxmlformats.org/drawingml/2006/main" xmlns:r="http://schemas.openxmlformats.org/officeDocument/2006/relationships" xmlns:p="http://schemas.openxmlformats.org/presentationml/2006/main">
+<p:sldMaster xmlns:a="http://schemas.openxmlformats.org/drawingml/2006/main" xmlns:r="http://schemas.openxmlformats.org/officeDocument/2006/relationships" xmlns:mc="http://schemas.openxmlformats.org/markup-compatibility/2006" xmlns:mv="urn:schemas-microsoft-com:mac:vml" xmlns:p="http://schemas.openxmlformats.org/presentationml/2006/main" mc:Ignorable="mv" mc:PreserveAttributes="mv:*">
   <p:cSld>
     <p:bg>
       <p:bgRef idx="1001">
@@ -2700,7 +2700,7 @@
             <a:fld id="{948CAB4A-A7C1-47D0-B80E-76F84C3895A9}" type="datetimeFigureOut">
               <a:rPr lang="en-GB" smtClean="0"/>
               <a:pPr/>
-              <a:t>23/10/2011</a:t>
+              <a:t>10/24/11</a:t>
             </a:fld>
             <a:endParaRPr lang="en-GB"/>
           </a:p>
@@ -3055,7 +3055,7 @@
 </file>
 
 <file path=ppt/slides/slide1.xml><?xml version="1.0" encoding="utf-8"?>
-<p:sld xmlns:a="http://schemas.openxmlformats.org/drawingml/2006/main" xmlns:r="http://schemas.openxmlformats.org/officeDocument/2006/relationships" xmlns:p="http://schemas.openxmlformats.org/presentationml/2006/main">
+<p:sld xmlns:a="http://schemas.openxmlformats.org/drawingml/2006/main" xmlns:r="http://schemas.openxmlformats.org/officeDocument/2006/relationships" xmlns:mc="http://schemas.openxmlformats.org/markup-compatibility/2006" xmlns:mv="urn:schemas-microsoft-com:mac:vml" xmlns:p="http://schemas.openxmlformats.org/presentationml/2006/main" mc:Ignorable="mv" mc:PreserveAttributes="mv:*">
   <p:cSld>
     <p:spTree>
       <p:nvGrpSpPr>
@@ -3083,16 +3083,14 @@
         </p:nvSpPr>
         <p:spPr/>
         <p:txBody>
-          <a:bodyPr/>
-          <a:lstStyle/>
-          <a:p>
-            <a:r>
-              <a:rPr lang="en-GB" dirty="0" smtClean="0"/>
-              <a:t>Practical </a:t>
-            </a:r>
-            <a:r>
-              <a:rPr lang="en-GB" dirty="0" smtClean="0"/>
-              <a:t>4 – </a:t>
+          <a:bodyPr>
+            <a:normAutofit fontScale="90000"/>
+          </a:bodyPr>
+          <a:lstStyle/>
+          <a:p>
+            <a:r>
+              <a:rPr lang="en-GB" dirty="0" smtClean="0"/>
+              <a:t>Practical 4 – </a:t>
             </a:r>
             <a:r>
               <a:rPr lang="en-GB" i="1" dirty="0" smtClean="0"/>
@@ -3133,6 +3131,97 @@
           </a:p>
         </p:txBody>
       </p:sp>
+      <p:pic>
+        <p:nvPicPr>
+          <p:cNvPr id="4" name="Picture 9" descr="CEES-brukket-sort"/>
+          <p:cNvPicPr>
+            <a:picLocks noChangeAspect="1" noChangeArrowheads="1"/>
+          </p:cNvPicPr>
+          <p:nvPr/>
+        </p:nvPicPr>
+        <p:blipFill>
+          <a:blip r:embed="rId2">
+            <a:clrChange>
+              <a:clrFrom>
+                <a:srgbClr val="FFFFFF"/>
+              </a:clrFrom>
+              <a:clrTo>
+                <a:srgbClr val="FFFFFF">
+                  <a:alpha val="0"/>
+                </a:srgbClr>
+              </a:clrTo>
+            </a:clrChange>
+          </a:blip>
+          <a:srcRect/>
+          <a:stretch>
+            <a:fillRect/>
+          </a:stretch>
+        </p:blipFill>
+        <p:spPr bwMode="auto">
+          <a:xfrm>
+            <a:off x="0" y="5714809"/>
+            <a:ext cx="2040759" cy="1143191"/>
+          </a:xfrm>
+          <a:prstGeom prst="rect">
+            <a:avLst/>
+          </a:prstGeom>
+          <a:noFill/>
+          <a:ln w="9525">
+            <a:noFill/>
+            <a:miter lim="800000"/>
+            <a:headEnd/>
+            <a:tailEnd/>
+          </a:ln>
+        </p:spPr>
+      </p:pic>
+      <p:pic>
+        <p:nvPicPr>
+          <p:cNvPr id="5" name="Picture 4" descr="NSC_logo_original_RGB.jpg"/>
+          <p:cNvPicPr>
+            <a:picLocks noChangeAspect="1"/>
+          </p:cNvPicPr>
+          <p:nvPr/>
+        </p:nvPicPr>
+        <p:blipFill>
+          <a:blip r:embed="rId3"/>
+          <a:stretch>
+            <a:fillRect/>
+          </a:stretch>
+        </p:blipFill>
+        <p:spPr>
+          <a:xfrm>
+            <a:off x="1782701" y="385114"/>
+            <a:ext cx="5578598" cy="1187389"/>
+          </a:xfrm>
+          <a:prstGeom prst="rect">
+            <a:avLst/>
+          </a:prstGeom>
+        </p:spPr>
+      </p:pic>
+      <p:pic>
+        <p:nvPicPr>
+          <p:cNvPr id="6" name="Picture 5" descr="uio-logo-web.jpg"/>
+          <p:cNvPicPr>
+            <a:picLocks noChangeAspect="1"/>
+          </p:cNvPicPr>
+          <p:nvPr/>
+        </p:nvPicPr>
+        <p:blipFill>
+          <a:blip r:embed="rId4"/>
+          <a:stretch>
+            <a:fillRect/>
+          </a:stretch>
+        </p:blipFill>
+        <p:spPr>
+          <a:xfrm>
+            <a:off x="7772400" y="5486400"/>
+            <a:ext cx="1371600" cy="1371600"/>
+          </a:xfrm>
+          <a:prstGeom prst="rect">
+            <a:avLst/>
+          </a:prstGeom>
+        </p:spPr>
+      </p:pic>
     </p:spTree>
   </p:cSld>
   <p:clrMapOvr>
@@ -3142,7 +3231,7 @@
 </file>
 
 <file path=ppt/slides/slide10.xml><?xml version="1.0" encoding="utf-8"?>
-<p:sld xmlns:a="http://schemas.openxmlformats.org/drawingml/2006/main" xmlns:r="http://schemas.openxmlformats.org/officeDocument/2006/relationships" xmlns:p="http://schemas.openxmlformats.org/presentationml/2006/main">
+<p:sld xmlns:a="http://schemas.openxmlformats.org/drawingml/2006/main" xmlns:r="http://schemas.openxmlformats.org/officeDocument/2006/relationships" xmlns:mc="http://schemas.openxmlformats.org/markup-compatibility/2006" xmlns:mv="urn:schemas-microsoft-com:mac:vml" xmlns:p="http://schemas.openxmlformats.org/presentationml/2006/main" mc:Ignorable="mv" mc:PreserveAttributes="mv:*">
   <p:cSld>
     <p:spTree>
       <p:nvGrpSpPr>
@@ -3256,7 +3345,7 @@
 </file>
 
 <file path=ppt/slides/slide11.xml><?xml version="1.0" encoding="utf-8"?>
-<p:sld xmlns:a="http://schemas.openxmlformats.org/drawingml/2006/main" xmlns:r="http://schemas.openxmlformats.org/officeDocument/2006/relationships" xmlns:p="http://schemas.openxmlformats.org/presentationml/2006/main">
+<p:sld xmlns:a="http://schemas.openxmlformats.org/drawingml/2006/main" xmlns:r="http://schemas.openxmlformats.org/officeDocument/2006/relationships" xmlns:mc="http://schemas.openxmlformats.org/markup-compatibility/2006" xmlns:mv="urn:schemas-microsoft-com:mac:vml" xmlns:p="http://schemas.openxmlformats.org/presentationml/2006/main" mc:Ignorable="mv" mc:PreserveAttributes="mv:*">
   <p:cSld>
     <p:spTree>
       <p:nvGrpSpPr>
@@ -3329,7 +3418,7 @@
 </file>
 
 <file path=ppt/slides/slide12.xml><?xml version="1.0" encoding="utf-8"?>
-<p:sld xmlns:a="http://schemas.openxmlformats.org/drawingml/2006/main" xmlns:r="http://schemas.openxmlformats.org/officeDocument/2006/relationships" xmlns:p="http://schemas.openxmlformats.org/presentationml/2006/main">
+<p:sld xmlns:a="http://schemas.openxmlformats.org/drawingml/2006/main" xmlns:r="http://schemas.openxmlformats.org/officeDocument/2006/relationships" xmlns:mc="http://schemas.openxmlformats.org/markup-compatibility/2006" xmlns:mv="urn:schemas-microsoft-com:mac:vml" xmlns:p="http://schemas.openxmlformats.org/presentationml/2006/main" mc:Ignorable="mv" mc:PreserveAttributes="mv:*">
   <p:cSld>
     <p:spTree>
       <p:nvGrpSpPr>
@@ -3428,7 +3517,7 @@
 </file>
 
 <file path=ppt/slides/slide13.xml><?xml version="1.0" encoding="utf-8"?>
-<p:sld xmlns:a="http://schemas.openxmlformats.org/drawingml/2006/main" xmlns:r="http://schemas.openxmlformats.org/officeDocument/2006/relationships" xmlns:p="http://schemas.openxmlformats.org/presentationml/2006/main">
+<p:sld xmlns:a="http://schemas.openxmlformats.org/drawingml/2006/main" xmlns:r="http://schemas.openxmlformats.org/officeDocument/2006/relationships" xmlns:mc="http://schemas.openxmlformats.org/markup-compatibility/2006" xmlns:mv="urn:schemas-microsoft-com:mac:vml" xmlns:p="http://schemas.openxmlformats.org/presentationml/2006/main" mc:Ignorable="mv" mc:PreserveAttributes="mv:*">
   <p:cSld>
     <p:spTree>
       <p:nvGrpSpPr>
@@ -3538,7 +3627,7 @@
 </file>
 
 <file path=ppt/slides/slide2.xml><?xml version="1.0" encoding="utf-8"?>
-<p:sld xmlns:a="http://schemas.openxmlformats.org/drawingml/2006/main" xmlns:r="http://schemas.openxmlformats.org/officeDocument/2006/relationships" xmlns:p="http://schemas.openxmlformats.org/presentationml/2006/main">
+<p:sld xmlns:a="http://schemas.openxmlformats.org/drawingml/2006/main" xmlns:r="http://schemas.openxmlformats.org/officeDocument/2006/relationships" xmlns:mc="http://schemas.openxmlformats.org/markup-compatibility/2006" xmlns:mv="urn:schemas-microsoft-com:mac:vml" xmlns:p="http://schemas.openxmlformats.org/presentationml/2006/main" mc:Ignorable="mv" mc:PreserveAttributes="mv:*">
   <p:cSld>
     <p:spTree>
       <p:nvGrpSpPr>
@@ -3676,7 +3765,7 @@
 </file>
 
 <file path=ppt/slides/slide3.xml><?xml version="1.0" encoding="utf-8"?>
-<p:sld xmlns:a="http://schemas.openxmlformats.org/drawingml/2006/main" xmlns:r="http://schemas.openxmlformats.org/officeDocument/2006/relationships" xmlns:p="http://schemas.openxmlformats.org/presentationml/2006/main">
+<p:sld xmlns:a="http://schemas.openxmlformats.org/drawingml/2006/main" xmlns:r="http://schemas.openxmlformats.org/officeDocument/2006/relationships" xmlns:mc="http://schemas.openxmlformats.org/markup-compatibility/2006" xmlns:mv="urn:schemas-microsoft-com:mac:vml" xmlns:p="http://schemas.openxmlformats.org/presentationml/2006/main" mc:Ignorable="mv" mc:PreserveAttributes="mv:*">
   <p:cSld>
     <p:spTree>
       <p:nvGrpSpPr>
@@ -3794,7 +3883,7 @@
 </file>
 
 <file path=ppt/slides/slide4.xml><?xml version="1.0" encoding="utf-8"?>
-<p:sld xmlns:a="http://schemas.openxmlformats.org/drawingml/2006/main" xmlns:r="http://schemas.openxmlformats.org/officeDocument/2006/relationships" xmlns:p="http://schemas.openxmlformats.org/presentationml/2006/main">
+<p:sld xmlns:a="http://schemas.openxmlformats.org/drawingml/2006/main" xmlns:r="http://schemas.openxmlformats.org/officeDocument/2006/relationships" xmlns:mc="http://schemas.openxmlformats.org/markup-compatibility/2006" xmlns:mv="urn:schemas-microsoft-com:mac:vml" xmlns:p="http://schemas.openxmlformats.org/presentationml/2006/main" mc:Ignorable="mv" mc:PreserveAttributes="mv:*">
   <p:cSld>
     <p:spTree>
       <p:nvGrpSpPr>
@@ -3910,25 +3999,25 @@
           <a:p>
             <a:r>
               <a:rPr lang="en-GB" dirty="0" smtClean="0"/>
-              <a:t>depends on genome sequenced and the sequencing </a:t>
-            </a:r>
-            <a:r>
-              <a:rPr lang="en-GB" dirty="0" smtClean="0"/>
-              <a:t>ru</a:t>
-            </a:r>
-            <a:r>
-              <a:rPr lang="en-GB" dirty="0" smtClean="0"/>
-              <a:t>n</a:t>
-            </a:r>
+              <a:t>depends on genome sequenced and the sequencing run</a:t>
+            </a:r>
+          </a:p>
+          <a:p>
             <a:endParaRPr lang="en-GB" dirty="0" smtClean="0"/>
           </a:p>
           <a:p>
+            <a:r>
+              <a:rPr lang="en-GB" dirty="0" smtClean="0"/>
+              <a:t>rules</a:t>
+            </a:r>
+          </a:p>
+          <a:p>
             <a:endParaRPr lang="en-GB" dirty="0" smtClean="0"/>
           </a:p>
           <a:p>
             <a:r>
               <a:rPr lang="en-GB" dirty="0" smtClean="0"/>
-              <a:t>rules</a:t>
+              <a:t>k must be less than the read length</a:t>
             </a:r>
           </a:p>
           <a:p>
@@ -3937,20 +4026,7 @@
           <a:p>
             <a:r>
               <a:rPr lang="en-GB" dirty="0" smtClean="0"/>
-              <a:t>k must be less than the read length</a:t>
-            </a:r>
-          </a:p>
-          <a:p>
-            <a:endParaRPr lang="en-GB" dirty="0" smtClean="0"/>
-          </a:p>
-          <a:p>
-            <a:r>
-              <a:rPr lang="en-GB" dirty="0" smtClean="0"/>
-              <a:t>k can't be an even number (can produce palindromes</a:t>
-            </a:r>
-            <a:r>
-              <a:rPr lang="en-GB" dirty="0" smtClean="0"/>
-              <a:t>)</a:t>
+              <a:t>k can't be an even number (can produce palindromes)</a:t>
             </a:r>
           </a:p>
           <a:p>
@@ -3992,9 +4068,8 @@
             </a:r>
             <a:r>
               <a:rPr lang="en-GB" dirty="0" smtClean="0"/>
-              <a:t> – more overlaps, less coverage</a:t>
-            </a:r>
-            <a:endParaRPr lang="en-GB" dirty="0" smtClean="0"/>
+              <a:t> – more overlaps, more coverage</a:t>
+            </a:r>
           </a:p>
           <a:p>
             <a:endParaRPr lang="en-GB" dirty="0"/>
@@ -4010,7 +4085,7 @@
 </file>
 
 <file path=ppt/slides/slide5.xml><?xml version="1.0" encoding="utf-8"?>
-<p:sld xmlns:a="http://schemas.openxmlformats.org/drawingml/2006/main" xmlns:r="http://schemas.openxmlformats.org/officeDocument/2006/relationships" xmlns:p="http://schemas.openxmlformats.org/presentationml/2006/main">
+<p:sld xmlns:a="http://schemas.openxmlformats.org/drawingml/2006/main" xmlns:r="http://schemas.openxmlformats.org/officeDocument/2006/relationships" xmlns:mc="http://schemas.openxmlformats.org/markup-compatibility/2006" xmlns:mv="urn:schemas-microsoft-com:mac:vml" xmlns:p="http://schemas.openxmlformats.org/presentationml/2006/main" mc:Ignorable="mv" mc:PreserveAttributes="mv:*">
   <p:cSld>
     <p:spTree>
       <p:nvGrpSpPr>
@@ -4061,7 +4136,9 @@
         </p:nvSpPr>
         <p:spPr/>
         <p:txBody>
-          <a:bodyPr/>
+          <a:bodyPr>
+            <a:normAutofit lnSpcReduction="10000"/>
+          </a:bodyPr>
           <a:lstStyle/>
           <a:p>
             <a:r>
@@ -4119,11 +4196,7 @@
             </a:r>
             <a:r>
               <a:rPr lang="en-GB" dirty="0" smtClean="0"/>
-              <a:t> </a:t>
-            </a:r>
-            <a:r>
-              <a:rPr lang="en-GB" dirty="0" smtClean="0"/>
-              <a:t>or </a:t>
+              <a:t> or </a:t>
             </a:r>
             <a:r>
               <a:rPr lang="en-GB" dirty="0" err="1" smtClean="0"/>
@@ -4145,7 +4218,7 @@
 </file>
 
 <file path=ppt/slides/slide6.xml><?xml version="1.0" encoding="utf-8"?>
-<p:sld xmlns:a="http://schemas.openxmlformats.org/drawingml/2006/main" xmlns:r="http://schemas.openxmlformats.org/officeDocument/2006/relationships" xmlns:p="http://schemas.openxmlformats.org/presentationml/2006/main">
+<p:sld xmlns:a="http://schemas.openxmlformats.org/drawingml/2006/main" xmlns:r="http://schemas.openxmlformats.org/officeDocument/2006/relationships" xmlns:mc="http://schemas.openxmlformats.org/markup-compatibility/2006" xmlns:mv="urn:schemas-microsoft-com:mac:vml" xmlns:p="http://schemas.openxmlformats.org/presentationml/2006/main" mc:Ignorable="mv" mc:PreserveAttributes="mv:*">
   <p:cSld>
     <p:spTree>
       <p:nvGrpSpPr>
@@ -4197,7 +4270,7 @@
         <p:spPr/>
         <p:txBody>
           <a:bodyPr>
-            <a:normAutofit/>
+            <a:normAutofit lnSpcReduction="10000"/>
           </a:bodyPr>
           <a:lstStyle/>
           <a:p>
@@ -4255,7 +4328,7 @@
 </file>
 
 <file path=ppt/slides/slide7.xml><?xml version="1.0" encoding="utf-8"?>
-<p:sld xmlns:a="http://schemas.openxmlformats.org/drawingml/2006/main" xmlns:r="http://schemas.openxmlformats.org/officeDocument/2006/relationships" xmlns:p="http://schemas.openxmlformats.org/presentationml/2006/main">
+<p:sld xmlns:a="http://schemas.openxmlformats.org/drawingml/2006/main" xmlns:r="http://schemas.openxmlformats.org/officeDocument/2006/relationships" xmlns:mc="http://schemas.openxmlformats.org/markup-compatibility/2006" xmlns:mv="urn:schemas-microsoft-com:mac:vml" xmlns:p="http://schemas.openxmlformats.org/presentationml/2006/main" mc:Ignorable="mv" mc:PreserveAttributes="mv:*">
   <p:cSld>
     <p:spTree>
       <p:nvGrpSpPr>
@@ -4306,7 +4379,7 @@
 </file>
 
 <file path=ppt/slides/slide8.xml><?xml version="1.0" encoding="utf-8"?>
-<p:sld xmlns:a="http://schemas.openxmlformats.org/drawingml/2006/main" xmlns:r="http://schemas.openxmlformats.org/officeDocument/2006/relationships" xmlns:p="http://schemas.openxmlformats.org/presentationml/2006/main">
+<p:sld xmlns:a="http://schemas.openxmlformats.org/drawingml/2006/main" xmlns:r="http://schemas.openxmlformats.org/officeDocument/2006/relationships" xmlns:mc="http://schemas.openxmlformats.org/markup-compatibility/2006" xmlns:mv="urn:schemas-microsoft-com:mac:vml" xmlns:p="http://schemas.openxmlformats.org/presentationml/2006/main" mc:Ignorable="mv" mc:PreserveAttributes="mv:*">
   <p:cSld>
     <p:spTree>
       <p:nvGrpSpPr>
@@ -4405,7 +4478,7 @@
 </file>
 
 <file path=ppt/slides/slide9.xml><?xml version="1.0" encoding="utf-8"?>
-<p:sld xmlns:a="http://schemas.openxmlformats.org/drawingml/2006/main" xmlns:r="http://schemas.openxmlformats.org/officeDocument/2006/relationships" xmlns:p="http://schemas.openxmlformats.org/presentationml/2006/main">
+<p:sld xmlns:a="http://schemas.openxmlformats.org/drawingml/2006/main" xmlns:r="http://schemas.openxmlformats.org/officeDocument/2006/relationships" xmlns:mc="http://schemas.openxmlformats.org/markup-compatibility/2006" xmlns:mv="urn:schemas-microsoft-com:mac:vml" xmlns:p="http://schemas.openxmlformats.org/presentationml/2006/main" mc:Ignorable="mv" mc:PreserveAttributes="mv:*">
   <p:cSld>
     <p:spTree>
       <p:nvGrpSpPr>

--- a/presentations/Practical_4_Velvet_de_novo_assembly.pptx
+++ b/presentations/Practical_4_Velvet_de_novo_assembly.pptx
@@ -1,23 +1,32 @@
 
 <file path=ppt/presentation.xml><?xml version="1.0" encoding="utf-8"?>
-<p:presentation xmlns:a="http://schemas.openxmlformats.org/drawingml/2006/main" xmlns:r="http://schemas.openxmlformats.org/officeDocument/2006/relationships" xmlns:mc="http://schemas.openxmlformats.org/markup-compatibility/2006" xmlns:mv="urn:schemas-microsoft-com:mac:vml" xmlns:p="http://schemas.openxmlformats.org/presentationml/2006/main" mc:Ignorable="mv" mc:PreserveAttributes="mv:*" saveSubsetFonts="1">
+<p:presentation xmlns:a="http://schemas.openxmlformats.org/drawingml/2006/main" xmlns:r="http://schemas.openxmlformats.org/officeDocument/2006/relationships" xmlns:p="http://schemas.openxmlformats.org/presentationml/2006/main" saveSubsetFonts="1">
   <p:sldMasterIdLst>
     <p:sldMasterId id="2147483648" r:id="rId1"/>
   </p:sldMasterIdLst>
   <p:sldIdLst>
     <p:sldId id="256" r:id="rId2"/>
     <p:sldId id="265" r:id="rId3"/>
-    <p:sldId id="262" r:id="rId4"/>
-    <p:sldId id="258" r:id="rId5"/>
-    <p:sldId id="261" r:id="rId6"/>
-    <p:sldId id="266" r:id="rId7"/>
-    <p:sldId id="267" r:id="rId8"/>
-    <p:sldId id="268" r:id="rId9"/>
-    <p:sldId id="259" r:id="rId10"/>
-    <p:sldId id="260" r:id="rId11"/>
-    <p:sldId id="263" r:id="rId12"/>
-    <p:sldId id="257" r:id="rId13"/>
-    <p:sldId id="264" r:id="rId14"/>
+    <p:sldId id="270" r:id="rId4"/>
+    <p:sldId id="273" r:id="rId5"/>
+    <p:sldId id="276" r:id="rId6"/>
+    <p:sldId id="274" r:id="rId7"/>
+    <p:sldId id="277" r:id="rId8"/>
+    <p:sldId id="275" r:id="rId9"/>
+    <p:sldId id="258" r:id="rId10"/>
+    <p:sldId id="272" r:id="rId11"/>
+    <p:sldId id="278" r:id="rId12"/>
+    <p:sldId id="271" r:id="rId13"/>
+    <p:sldId id="269" r:id="rId14"/>
+    <p:sldId id="261" r:id="rId15"/>
+    <p:sldId id="266" r:id="rId16"/>
+    <p:sldId id="267" r:id="rId17"/>
+    <p:sldId id="268" r:id="rId18"/>
+    <p:sldId id="259" r:id="rId19"/>
+    <p:sldId id="260" r:id="rId20"/>
+    <p:sldId id="263" r:id="rId21"/>
+    <p:sldId id="257" r:id="rId22"/>
+    <p:sldId id="264" r:id="rId23"/>
   </p:sldIdLst>
   <p:sldSz cx="9144000" cy="6858000" type="screen4x3"/>
   <p:notesSz cx="6858000" cy="9144000"/>
@@ -120,7 +129,7 @@
 </file>
 
 <file path=ppt/slideLayouts/slideLayout1.xml><?xml version="1.0" encoding="utf-8"?>
-<p:sldLayout xmlns:a="http://schemas.openxmlformats.org/drawingml/2006/main" xmlns:r="http://schemas.openxmlformats.org/officeDocument/2006/relationships" xmlns:mc="http://schemas.openxmlformats.org/markup-compatibility/2006" xmlns:mv="urn:schemas-microsoft-com:mac:vml" xmlns:p="http://schemas.openxmlformats.org/presentationml/2006/main" mc:Ignorable="mv" mc:PreserveAttributes="mv:*" type="title" preserve="1">
+<p:sldLayout xmlns:a="http://schemas.openxmlformats.org/drawingml/2006/main" xmlns:r="http://schemas.openxmlformats.org/officeDocument/2006/relationships" xmlns:p="http://schemas.openxmlformats.org/presentationml/2006/main" type="title" preserve="1">
   <p:cSld name="Title Slide">
     <p:spTree>
       <p:nvGrpSpPr>
@@ -301,7 +310,7 @@
             <a:fld id="{948CAB4A-A7C1-47D0-B80E-76F84C3895A9}" type="datetimeFigureOut">
               <a:rPr lang="en-GB" smtClean="0"/>
               <a:pPr/>
-              <a:t>10/24/11</a:t>
+              <a:t>26/10/2011</a:t>
             </a:fld>
             <a:endParaRPr lang="en-GB"/>
           </a:p>
@@ -359,7 +368,7 @@
 </file>
 
 <file path=ppt/slideLayouts/slideLayout10.xml><?xml version="1.0" encoding="utf-8"?>
-<p:sldLayout xmlns:a="http://schemas.openxmlformats.org/drawingml/2006/main" xmlns:r="http://schemas.openxmlformats.org/officeDocument/2006/relationships" xmlns:mc="http://schemas.openxmlformats.org/markup-compatibility/2006" xmlns:mv="urn:schemas-microsoft-com:mac:vml" xmlns:p="http://schemas.openxmlformats.org/presentationml/2006/main" mc:Ignorable="mv" mc:PreserveAttributes="mv:*" type="vertTx" preserve="1">
+<p:sldLayout xmlns:a="http://schemas.openxmlformats.org/drawingml/2006/main" xmlns:r="http://schemas.openxmlformats.org/officeDocument/2006/relationships" xmlns:p="http://schemas.openxmlformats.org/presentationml/2006/main" type="vertTx" preserve="1">
   <p:cSld name="Title and Vertical Text">
     <p:spTree>
       <p:nvGrpSpPr>
@@ -468,7 +477,7 @@
             <a:fld id="{948CAB4A-A7C1-47D0-B80E-76F84C3895A9}" type="datetimeFigureOut">
               <a:rPr lang="en-GB" smtClean="0"/>
               <a:pPr/>
-              <a:t>10/24/11</a:t>
+              <a:t>26/10/2011</a:t>
             </a:fld>
             <a:endParaRPr lang="en-GB"/>
           </a:p>
@@ -526,7 +535,7 @@
 </file>
 
 <file path=ppt/slideLayouts/slideLayout11.xml><?xml version="1.0" encoding="utf-8"?>
-<p:sldLayout xmlns:a="http://schemas.openxmlformats.org/drawingml/2006/main" xmlns:r="http://schemas.openxmlformats.org/officeDocument/2006/relationships" xmlns:mc="http://schemas.openxmlformats.org/markup-compatibility/2006" xmlns:mv="urn:schemas-microsoft-com:mac:vml" xmlns:p="http://schemas.openxmlformats.org/presentationml/2006/main" mc:Ignorable="mv" mc:PreserveAttributes="mv:*" type="vertTitleAndTx" preserve="1">
+<p:sldLayout xmlns:a="http://schemas.openxmlformats.org/drawingml/2006/main" xmlns:r="http://schemas.openxmlformats.org/officeDocument/2006/relationships" xmlns:p="http://schemas.openxmlformats.org/presentationml/2006/main" type="vertTitleAndTx" preserve="1">
   <p:cSld name="Vertical Title and Text">
     <p:spTree>
       <p:nvGrpSpPr>
@@ -645,7 +654,7 @@
             <a:fld id="{948CAB4A-A7C1-47D0-B80E-76F84C3895A9}" type="datetimeFigureOut">
               <a:rPr lang="en-GB" smtClean="0"/>
               <a:pPr/>
-              <a:t>10/24/11</a:t>
+              <a:t>26/10/2011</a:t>
             </a:fld>
             <a:endParaRPr lang="en-GB"/>
           </a:p>
@@ -703,7 +712,7 @@
 </file>
 
 <file path=ppt/slideLayouts/slideLayout2.xml><?xml version="1.0" encoding="utf-8"?>
-<p:sldLayout xmlns:a="http://schemas.openxmlformats.org/drawingml/2006/main" xmlns:r="http://schemas.openxmlformats.org/officeDocument/2006/relationships" xmlns:mc="http://schemas.openxmlformats.org/markup-compatibility/2006" xmlns:mv="urn:schemas-microsoft-com:mac:vml" xmlns:p="http://schemas.openxmlformats.org/presentationml/2006/main" mc:Ignorable="mv" mc:PreserveAttributes="mv:*" type="obj" preserve="1">
+<p:sldLayout xmlns:a="http://schemas.openxmlformats.org/drawingml/2006/main" xmlns:r="http://schemas.openxmlformats.org/officeDocument/2006/relationships" xmlns:p="http://schemas.openxmlformats.org/presentationml/2006/main" type="obj" preserve="1">
   <p:cSld name="Title and Content">
     <p:spTree>
       <p:nvGrpSpPr>
@@ -812,7 +821,7 @@
             <a:fld id="{948CAB4A-A7C1-47D0-B80E-76F84C3895A9}" type="datetimeFigureOut">
               <a:rPr lang="en-GB" smtClean="0"/>
               <a:pPr/>
-              <a:t>10/24/11</a:t>
+              <a:t>26/10/2011</a:t>
             </a:fld>
             <a:endParaRPr lang="en-GB"/>
           </a:p>
@@ -870,7 +879,7 @@
 </file>
 
 <file path=ppt/slideLayouts/slideLayout3.xml><?xml version="1.0" encoding="utf-8"?>
-<p:sldLayout xmlns:a="http://schemas.openxmlformats.org/drawingml/2006/main" xmlns:r="http://schemas.openxmlformats.org/officeDocument/2006/relationships" xmlns:mc="http://schemas.openxmlformats.org/markup-compatibility/2006" xmlns:mv="urn:schemas-microsoft-com:mac:vml" xmlns:p="http://schemas.openxmlformats.org/presentationml/2006/main" mc:Ignorable="mv" mc:PreserveAttributes="mv:*" type="secHead" preserve="1">
+<p:sldLayout xmlns:a="http://schemas.openxmlformats.org/drawingml/2006/main" xmlns:r="http://schemas.openxmlformats.org/officeDocument/2006/relationships" xmlns:p="http://schemas.openxmlformats.org/presentationml/2006/main" type="secHead" preserve="1">
   <p:cSld name="Section Header">
     <p:spTree>
       <p:nvGrpSpPr>
@@ -1055,7 +1064,7 @@
             <a:fld id="{948CAB4A-A7C1-47D0-B80E-76F84C3895A9}" type="datetimeFigureOut">
               <a:rPr lang="en-GB" smtClean="0"/>
               <a:pPr/>
-              <a:t>10/24/11</a:t>
+              <a:t>26/10/2011</a:t>
             </a:fld>
             <a:endParaRPr lang="en-GB"/>
           </a:p>
@@ -1113,7 +1122,7 @@
 </file>
 
 <file path=ppt/slideLayouts/slideLayout4.xml><?xml version="1.0" encoding="utf-8"?>
-<p:sldLayout xmlns:a="http://schemas.openxmlformats.org/drawingml/2006/main" xmlns:r="http://schemas.openxmlformats.org/officeDocument/2006/relationships" xmlns:mc="http://schemas.openxmlformats.org/markup-compatibility/2006" xmlns:mv="urn:schemas-microsoft-com:mac:vml" xmlns:p="http://schemas.openxmlformats.org/presentationml/2006/main" mc:Ignorable="mv" mc:PreserveAttributes="mv:*" type="twoObj" preserve="1">
+<p:sldLayout xmlns:a="http://schemas.openxmlformats.org/drawingml/2006/main" xmlns:r="http://schemas.openxmlformats.org/officeDocument/2006/relationships" xmlns:p="http://schemas.openxmlformats.org/presentationml/2006/main" type="twoObj" preserve="1">
   <p:cSld name="Two Content">
     <p:spTree>
       <p:nvGrpSpPr>
@@ -1340,7 +1349,7 @@
             <a:fld id="{948CAB4A-A7C1-47D0-B80E-76F84C3895A9}" type="datetimeFigureOut">
               <a:rPr lang="en-GB" smtClean="0"/>
               <a:pPr/>
-              <a:t>10/24/11</a:t>
+              <a:t>26/10/2011</a:t>
             </a:fld>
             <a:endParaRPr lang="en-GB"/>
           </a:p>
@@ -1398,7 +1407,7 @@
 </file>
 
 <file path=ppt/slideLayouts/slideLayout5.xml><?xml version="1.0" encoding="utf-8"?>
-<p:sldLayout xmlns:a="http://schemas.openxmlformats.org/drawingml/2006/main" xmlns:r="http://schemas.openxmlformats.org/officeDocument/2006/relationships" xmlns:mc="http://schemas.openxmlformats.org/markup-compatibility/2006" xmlns:mv="urn:schemas-microsoft-com:mac:vml" xmlns:p="http://schemas.openxmlformats.org/presentationml/2006/main" mc:Ignorable="mv" mc:PreserveAttributes="mv:*" type="twoTxTwoObj" preserve="1">
+<p:sldLayout xmlns:a="http://schemas.openxmlformats.org/drawingml/2006/main" xmlns:r="http://schemas.openxmlformats.org/officeDocument/2006/relationships" xmlns:p="http://schemas.openxmlformats.org/presentationml/2006/main" type="twoTxTwoObj" preserve="1">
   <p:cSld name="Comparison">
     <p:spTree>
       <p:nvGrpSpPr>
@@ -1759,7 +1768,7 @@
             <a:fld id="{948CAB4A-A7C1-47D0-B80E-76F84C3895A9}" type="datetimeFigureOut">
               <a:rPr lang="en-GB" smtClean="0"/>
               <a:pPr/>
-              <a:t>10/24/11</a:t>
+              <a:t>26/10/2011</a:t>
             </a:fld>
             <a:endParaRPr lang="en-GB"/>
           </a:p>
@@ -1817,7 +1826,7 @@
 </file>
 
 <file path=ppt/slideLayouts/slideLayout6.xml><?xml version="1.0" encoding="utf-8"?>
-<p:sldLayout xmlns:a="http://schemas.openxmlformats.org/drawingml/2006/main" xmlns:r="http://schemas.openxmlformats.org/officeDocument/2006/relationships" xmlns:mc="http://schemas.openxmlformats.org/markup-compatibility/2006" xmlns:mv="urn:schemas-microsoft-com:mac:vml" xmlns:p="http://schemas.openxmlformats.org/presentationml/2006/main" mc:Ignorable="mv" mc:PreserveAttributes="mv:*" type="titleOnly" preserve="1">
+<p:sldLayout xmlns:a="http://schemas.openxmlformats.org/drawingml/2006/main" xmlns:r="http://schemas.openxmlformats.org/officeDocument/2006/relationships" xmlns:p="http://schemas.openxmlformats.org/presentationml/2006/main" type="titleOnly" preserve="1">
   <p:cSld name="Title Only">
     <p:spTree>
       <p:nvGrpSpPr>
@@ -1874,7 +1883,7 @@
             <a:fld id="{948CAB4A-A7C1-47D0-B80E-76F84C3895A9}" type="datetimeFigureOut">
               <a:rPr lang="en-GB" smtClean="0"/>
               <a:pPr/>
-              <a:t>10/24/11</a:t>
+              <a:t>26/10/2011</a:t>
             </a:fld>
             <a:endParaRPr lang="en-GB"/>
           </a:p>
@@ -1932,7 +1941,7 @@
 </file>
 
 <file path=ppt/slideLayouts/slideLayout7.xml><?xml version="1.0" encoding="utf-8"?>
-<p:sldLayout xmlns:a="http://schemas.openxmlformats.org/drawingml/2006/main" xmlns:r="http://schemas.openxmlformats.org/officeDocument/2006/relationships" xmlns:mc="http://schemas.openxmlformats.org/markup-compatibility/2006" xmlns:mv="urn:schemas-microsoft-com:mac:vml" xmlns:p="http://schemas.openxmlformats.org/presentationml/2006/main" mc:Ignorable="mv" mc:PreserveAttributes="mv:*" type="blank" preserve="1">
+<p:sldLayout xmlns:a="http://schemas.openxmlformats.org/drawingml/2006/main" xmlns:r="http://schemas.openxmlformats.org/officeDocument/2006/relationships" xmlns:p="http://schemas.openxmlformats.org/presentationml/2006/main" type="blank" preserve="1">
   <p:cSld name="Blank">
     <p:spTree>
       <p:nvGrpSpPr>
@@ -1966,7 +1975,7 @@
             <a:fld id="{948CAB4A-A7C1-47D0-B80E-76F84C3895A9}" type="datetimeFigureOut">
               <a:rPr lang="en-GB" smtClean="0"/>
               <a:pPr/>
-              <a:t>10/24/11</a:t>
+              <a:t>26/10/2011</a:t>
             </a:fld>
             <a:endParaRPr lang="en-GB"/>
           </a:p>
@@ -2024,7 +2033,7 @@
 </file>
 
 <file path=ppt/slideLayouts/slideLayout8.xml><?xml version="1.0" encoding="utf-8"?>
-<p:sldLayout xmlns:a="http://schemas.openxmlformats.org/drawingml/2006/main" xmlns:r="http://schemas.openxmlformats.org/officeDocument/2006/relationships" xmlns:mc="http://schemas.openxmlformats.org/markup-compatibility/2006" xmlns:mv="urn:schemas-microsoft-com:mac:vml" xmlns:p="http://schemas.openxmlformats.org/presentationml/2006/main" mc:Ignorable="mv" mc:PreserveAttributes="mv:*" type="objTx" preserve="1">
+<p:sldLayout xmlns:a="http://schemas.openxmlformats.org/drawingml/2006/main" xmlns:r="http://schemas.openxmlformats.org/officeDocument/2006/relationships" xmlns:p="http://schemas.openxmlformats.org/presentationml/2006/main" type="objTx" preserve="1">
   <p:cSld name="Content with Caption">
     <p:spTree>
       <p:nvGrpSpPr>
@@ -2240,7 +2249,7 @@
             <a:fld id="{948CAB4A-A7C1-47D0-B80E-76F84C3895A9}" type="datetimeFigureOut">
               <a:rPr lang="en-GB" smtClean="0"/>
               <a:pPr/>
-              <a:t>10/24/11</a:t>
+              <a:t>26/10/2011</a:t>
             </a:fld>
             <a:endParaRPr lang="en-GB"/>
           </a:p>
@@ -2298,7 +2307,7 @@
 </file>
 
 <file path=ppt/slideLayouts/slideLayout9.xml><?xml version="1.0" encoding="utf-8"?>
-<p:sldLayout xmlns:a="http://schemas.openxmlformats.org/drawingml/2006/main" xmlns:r="http://schemas.openxmlformats.org/officeDocument/2006/relationships" xmlns:mc="http://schemas.openxmlformats.org/markup-compatibility/2006" xmlns:mv="urn:schemas-microsoft-com:mac:vml" xmlns:p="http://schemas.openxmlformats.org/presentationml/2006/main" mc:Ignorable="mv" mc:PreserveAttributes="mv:*" type="picTx" preserve="1">
+<p:sldLayout xmlns:a="http://schemas.openxmlformats.org/drawingml/2006/main" xmlns:r="http://schemas.openxmlformats.org/officeDocument/2006/relationships" xmlns:p="http://schemas.openxmlformats.org/presentationml/2006/main" type="picTx" preserve="1">
   <p:cSld name="Picture with Caption">
     <p:spTree>
       <p:nvGrpSpPr>
@@ -2490,7 +2499,7 @@
             <a:fld id="{948CAB4A-A7C1-47D0-B80E-76F84C3895A9}" type="datetimeFigureOut">
               <a:rPr lang="en-GB" smtClean="0"/>
               <a:pPr/>
-              <a:t>10/24/11</a:t>
+              <a:t>26/10/2011</a:t>
             </a:fld>
             <a:endParaRPr lang="en-GB"/>
           </a:p>
@@ -2548,7 +2557,7 @@
 </file>
 
 <file path=ppt/slideMasters/slideMaster1.xml><?xml version="1.0" encoding="utf-8"?>
-<p:sldMaster xmlns:a="http://schemas.openxmlformats.org/drawingml/2006/main" xmlns:r="http://schemas.openxmlformats.org/officeDocument/2006/relationships" xmlns:mc="http://schemas.openxmlformats.org/markup-compatibility/2006" xmlns:mv="urn:schemas-microsoft-com:mac:vml" xmlns:p="http://schemas.openxmlformats.org/presentationml/2006/main" mc:Ignorable="mv" mc:PreserveAttributes="mv:*">
+<p:sldMaster xmlns:a="http://schemas.openxmlformats.org/drawingml/2006/main" xmlns:r="http://schemas.openxmlformats.org/officeDocument/2006/relationships" xmlns:p="http://schemas.openxmlformats.org/presentationml/2006/main">
   <p:cSld>
     <p:bg>
       <p:bgRef idx="1001">
@@ -2700,7 +2709,7 @@
             <a:fld id="{948CAB4A-A7C1-47D0-B80E-76F84C3895A9}" type="datetimeFigureOut">
               <a:rPr lang="en-GB" smtClean="0"/>
               <a:pPr/>
-              <a:t>10/24/11</a:t>
+              <a:t>26/10/2011</a:t>
             </a:fld>
             <a:endParaRPr lang="en-GB"/>
           </a:p>
@@ -3055,7 +3064,7 @@
 </file>
 
 <file path=ppt/slides/slide1.xml><?xml version="1.0" encoding="utf-8"?>
-<p:sld xmlns:a="http://schemas.openxmlformats.org/drawingml/2006/main" xmlns:r="http://schemas.openxmlformats.org/officeDocument/2006/relationships" xmlns:mc="http://schemas.openxmlformats.org/markup-compatibility/2006" xmlns:mv="urn:schemas-microsoft-com:mac:vml" xmlns:p="http://schemas.openxmlformats.org/presentationml/2006/main" mc:Ignorable="mv" mc:PreserveAttributes="mv:*">
+<p:sld xmlns:a="http://schemas.openxmlformats.org/drawingml/2006/main" xmlns:r="http://schemas.openxmlformats.org/officeDocument/2006/relationships" xmlns:p="http://schemas.openxmlformats.org/presentationml/2006/main">
   <p:cSld>
     <p:spTree>
       <p:nvGrpSpPr>
@@ -3084,7 +3093,7 @@
         <p:spPr/>
         <p:txBody>
           <a:bodyPr>
-            <a:normAutofit fontScale="90000"/>
+            <a:normAutofit/>
           </a:bodyPr>
           <a:lstStyle/>
           <a:p>
@@ -3140,7 +3149,7 @@
           <p:nvPr/>
         </p:nvPicPr>
         <p:blipFill>
-          <a:blip r:embed="rId2">
+          <a:blip r:embed="rId2" cstate="print">
             <a:clrChange>
               <a:clrFrom>
                 <a:srgbClr val="FFFFFF"/>
@@ -3183,7 +3192,7 @@
           <p:nvPr/>
         </p:nvPicPr>
         <p:blipFill>
-          <a:blip r:embed="rId3"/>
+          <a:blip r:embed="rId3" cstate="print"/>
           <a:stretch>
             <a:fillRect/>
           </a:stretch>
@@ -3207,7 +3216,7 @@
           <p:nvPr/>
         </p:nvPicPr>
         <p:blipFill>
-          <a:blip r:embed="rId4"/>
+          <a:blip r:embed="rId4" cstate="print"/>
           <a:stretch>
             <a:fillRect/>
           </a:stretch>
@@ -3231,7 +3240,7 @@
 </file>
 
 <file path=ppt/slides/slide10.xml><?xml version="1.0" encoding="utf-8"?>
-<p:sld xmlns:a="http://schemas.openxmlformats.org/drawingml/2006/main" xmlns:r="http://schemas.openxmlformats.org/officeDocument/2006/relationships" xmlns:mc="http://schemas.openxmlformats.org/markup-compatibility/2006" xmlns:mv="urn:schemas-microsoft-com:mac:vml" xmlns:p="http://schemas.openxmlformats.org/presentationml/2006/main" mc:Ignorable="mv" mc:PreserveAttributes="mv:*">
+<p:sld xmlns:a="http://schemas.openxmlformats.org/drawingml/2006/main" xmlns:r="http://schemas.openxmlformats.org/officeDocument/2006/relationships" xmlns:p="http://schemas.openxmlformats.org/presentationml/2006/main">
   <p:cSld>
     <p:spTree>
       <p:nvGrpSpPr>
@@ -3264,7 +3273,7 @@
           <a:p>
             <a:r>
               <a:rPr lang="en-GB" dirty="0" smtClean="0"/>
-              <a:t>Mate-pair data</a:t>
+              <a:t>Part 2</a:t>
             </a:r>
             <a:endParaRPr lang="en-GB" dirty="0"/>
           </a:p>
@@ -3285,54 +3294,7 @@
           <a:bodyPr/>
           <a:lstStyle/>
           <a:p>
-            <a:r>
-              <a:rPr lang="en-GB" dirty="0" smtClean="0"/>
-              <a:t>Orientation different</a:t>
-            </a:r>
-          </a:p>
-          <a:p>
-            <a:r>
-              <a:rPr lang="en-GB" dirty="0" smtClean="0"/>
-              <a:t>Read contamination</a:t>
-            </a:r>
-          </a:p>
-          <a:p>
-            <a:endParaRPr lang="en-GB" dirty="0"/>
-          </a:p>
-        </p:txBody>
-      </p:sp>
-      <p:sp>
-        <p:nvSpPr>
-          <p:cNvPr id="4" name="Rectangle 3"/>
-          <p:cNvSpPr/>
-          <p:nvPr/>
-        </p:nvSpPr>
-        <p:spPr>
-          <a:xfrm>
-            <a:off x="899592" y="3573016"/>
-            <a:ext cx="6192688" cy="646331"/>
-          </a:xfrm>
-          <a:prstGeom prst="rect">
-            <a:avLst/>
-          </a:prstGeom>
-        </p:spPr>
-        <p:txBody>
-          <a:bodyPr wrap="square">
-            <a:spAutoFit/>
-          </a:bodyPr>
-          <a:lstStyle/>
-          <a:p>
-            <a:r>
-              <a:rPr lang="en-GB" dirty="0" smtClean="0"/>
-              <a:t>PE =&gt; insert &lt;=</a:t>
-            </a:r>
-          </a:p>
-          <a:p>
-            <a:r>
-              <a:rPr lang="en-GB" dirty="0" smtClean="0"/>
-              <a:t>mate-pair &lt;= insert =&gt;</a:t>
-            </a:r>
-            <a:endParaRPr lang="en-GB" dirty="0"/>
+            <a:endParaRPr lang="en-GB"/>
           </a:p>
         </p:txBody>
       </p:sp>
@@ -3345,427 +3307,7 @@
 </file>
 
 <file path=ppt/slides/slide11.xml><?xml version="1.0" encoding="utf-8"?>
-<p:sld xmlns:a="http://schemas.openxmlformats.org/drawingml/2006/main" xmlns:r="http://schemas.openxmlformats.org/officeDocument/2006/relationships" xmlns:mc="http://schemas.openxmlformats.org/markup-compatibility/2006" xmlns:mv="urn:schemas-microsoft-com:mac:vml" xmlns:p="http://schemas.openxmlformats.org/presentationml/2006/main" mc:Ignorable="mv" mc:PreserveAttributes="mv:*">
-  <p:cSld>
-    <p:spTree>
-      <p:nvGrpSpPr>
-        <p:cNvPr id="1" name=""/>
-        <p:cNvGrpSpPr/>
-        <p:nvPr/>
-      </p:nvGrpSpPr>
-      <p:grpSpPr>
-        <a:xfrm>
-          <a:off x="0" y="0"/>
-          <a:ext cx="0" cy="0"/>
-          <a:chOff x="0" y="0"/>
-          <a:chExt cx="0" cy="0"/>
-        </a:xfrm>
-      </p:grpSpPr>
-      <p:sp>
-        <p:nvSpPr>
-          <p:cNvPr id="2" name="Title 1"/>
-          <p:cNvSpPr>
-            <a:spLocks noGrp="1"/>
-          </p:cNvSpPr>
-          <p:nvPr>
-            <p:ph type="title"/>
-          </p:nvPr>
-        </p:nvSpPr>
-        <p:spPr/>
-        <p:txBody>
-          <a:bodyPr/>
-          <a:lstStyle/>
-          <a:p>
-            <a:r>
-              <a:rPr lang="en-GB" dirty="0" smtClean="0"/>
-              <a:t>Useful scripts for Velvet</a:t>
-            </a:r>
-            <a:endParaRPr lang="en-GB" dirty="0"/>
-          </a:p>
-        </p:txBody>
-      </p:sp>
-      <p:sp>
-        <p:nvSpPr>
-          <p:cNvPr id="3" name="Content Placeholder 2"/>
-          <p:cNvSpPr>
-            <a:spLocks noGrp="1"/>
-          </p:cNvSpPr>
-          <p:nvPr>
-            <p:ph idx="1"/>
-          </p:nvPr>
-        </p:nvSpPr>
-        <p:spPr/>
-        <p:txBody>
-          <a:bodyPr/>
-          <a:lstStyle/>
-          <a:p>
-            <a:r>
-              <a:rPr lang="en-GB" dirty="0" smtClean="0">
-                <a:hlinkClick r:id="rId2"/>
-              </a:rPr>
-              <a:t>http://code.google.com/p/standardized-velvet-assembly-report/</a:t>
-            </a:r>
-            <a:endParaRPr lang="en-GB" dirty="0"/>
-          </a:p>
-        </p:txBody>
-      </p:sp>
-    </p:spTree>
-  </p:cSld>
-  <p:clrMapOvr>
-    <a:masterClrMapping/>
-  </p:clrMapOvr>
-</p:sld>
-</file>
-
-<file path=ppt/slides/slide12.xml><?xml version="1.0" encoding="utf-8"?>
-<p:sld xmlns:a="http://schemas.openxmlformats.org/drawingml/2006/main" xmlns:r="http://schemas.openxmlformats.org/officeDocument/2006/relationships" xmlns:mc="http://schemas.openxmlformats.org/markup-compatibility/2006" xmlns:mv="urn:schemas-microsoft-com:mac:vml" xmlns:p="http://schemas.openxmlformats.org/presentationml/2006/main" mc:Ignorable="mv" mc:PreserveAttributes="mv:*">
-  <p:cSld>
-    <p:spTree>
-      <p:nvGrpSpPr>
-        <p:cNvPr id="1" name=""/>
-        <p:cNvGrpSpPr/>
-        <p:nvPr/>
-      </p:nvGrpSpPr>
-      <p:grpSpPr>
-        <a:xfrm>
-          <a:off x="0" y="0"/>
-          <a:ext cx="0" cy="0"/>
-          <a:chOff x="0" y="0"/>
-          <a:chExt cx="0" cy="0"/>
-        </a:xfrm>
-      </p:grpSpPr>
-      <p:sp>
-        <p:nvSpPr>
-          <p:cNvPr id="2" name="Title 1"/>
-          <p:cNvSpPr>
-            <a:spLocks noGrp="1"/>
-          </p:cNvSpPr>
-          <p:nvPr>
-            <p:ph type="title"/>
-          </p:nvPr>
-        </p:nvSpPr>
-        <p:spPr/>
-        <p:txBody>
-          <a:bodyPr/>
-          <a:lstStyle/>
-          <a:p>
-            <a:r>
-              <a:rPr lang="en-GB" dirty="0" smtClean="0"/>
-              <a:t>Software derived from Velvet</a:t>
-            </a:r>
-            <a:endParaRPr lang="en-GB" dirty="0"/>
-          </a:p>
-        </p:txBody>
-      </p:sp>
-      <p:sp>
-        <p:nvSpPr>
-          <p:cNvPr id="3" name="Content Placeholder 2"/>
-          <p:cNvSpPr>
-            <a:spLocks noGrp="1"/>
-          </p:cNvSpPr>
-          <p:nvPr>
-            <p:ph idx="1"/>
-          </p:nvPr>
-        </p:nvSpPr>
-        <p:spPr/>
-        <p:txBody>
-          <a:bodyPr/>
-          <a:lstStyle/>
-          <a:p>
-            <a:r>
-              <a:rPr lang="en-GB" dirty="0" smtClean="0"/>
-              <a:t>Meta Velvet </a:t>
-            </a:r>
-          </a:p>
-          <a:p>
-            <a:pPr lvl="1"/>
-            <a:r>
-              <a:rPr lang="en-GB" dirty="0" smtClean="0"/>
-              <a:t>For meta genomic assemblies</a:t>
-            </a:r>
-          </a:p>
-          <a:p>
-            <a:r>
-              <a:rPr lang="en-GB" dirty="0" smtClean="0"/>
-              <a:t>OASES</a:t>
-            </a:r>
-          </a:p>
-          <a:p>
-            <a:pPr lvl="1"/>
-            <a:r>
-              <a:rPr lang="en-GB" dirty="0" smtClean="0"/>
-              <a:t>For </a:t>
-            </a:r>
-            <a:r>
-              <a:rPr lang="en-GB" dirty="0" err="1" smtClean="0"/>
-              <a:t>transcriptome</a:t>
-            </a:r>
-            <a:r>
-              <a:rPr lang="en-GB" dirty="0" smtClean="0"/>
-              <a:t> assemblies</a:t>
-            </a:r>
-            <a:endParaRPr lang="en-GB" dirty="0"/>
-          </a:p>
-        </p:txBody>
-      </p:sp>
-    </p:spTree>
-  </p:cSld>
-  <p:clrMapOvr>
-    <a:masterClrMapping/>
-  </p:clrMapOvr>
-</p:sld>
-</file>
-
-<file path=ppt/slides/slide13.xml><?xml version="1.0" encoding="utf-8"?>
-<p:sld xmlns:a="http://schemas.openxmlformats.org/drawingml/2006/main" xmlns:r="http://schemas.openxmlformats.org/officeDocument/2006/relationships" xmlns:mc="http://schemas.openxmlformats.org/markup-compatibility/2006" xmlns:mv="urn:schemas-microsoft-com:mac:vml" xmlns:p="http://schemas.openxmlformats.org/presentationml/2006/main" mc:Ignorable="mv" mc:PreserveAttributes="mv:*">
-  <p:cSld>
-    <p:spTree>
-      <p:nvGrpSpPr>
-        <p:cNvPr id="1" name=""/>
-        <p:cNvGrpSpPr/>
-        <p:nvPr/>
-      </p:nvGrpSpPr>
-      <p:grpSpPr>
-        <a:xfrm>
-          <a:off x="0" y="0"/>
-          <a:ext cx="0" cy="0"/>
-          <a:chOff x="0" y="0"/>
-          <a:chExt cx="0" cy="0"/>
-        </a:xfrm>
-      </p:grpSpPr>
-      <p:sp>
-        <p:nvSpPr>
-          <p:cNvPr id="2" name="Title 1"/>
-          <p:cNvSpPr>
-            <a:spLocks noGrp="1"/>
-          </p:cNvSpPr>
-          <p:nvPr>
-            <p:ph type="title"/>
-          </p:nvPr>
-        </p:nvSpPr>
-        <p:spPr/>
-        <p:txBody>
-          <a:bodyPr/>
-          <a:lstStyle/>
-          <a:p>
-            <a:r>
-              <a:rPr lang="en-GB" dirty="0" smtClean="0"/>
-              <a:t>Advanced technique	</a:t>
-            </a:r>
-            <a:endParaRPr lang="en-GB" dirty="0"/>
-          </a:p>
-        </p:txBody>
-      </p:sp>
-      <p:sp>
-        <p:nvSpPr>
-          <p:cNvPr id="3" name="Content Placeholder 2"/>
-          <p:cNvSpPr>
-            <a:spLocks noGrp="1"/>
-          </p:cNvSpPr>
-          <p:nvPr>
-            <p:ph idx="1"/>
-          </p:nvPr>
-        </p:nvSpPr>
-        <p:spPr/>
-        <p:txBody>
-          <a:bodyPr/>
-          <a:lstStyle/>
-          <a:p>
-            <a:r>
-              <a:rPr lang="en-GB" dirty="0" smtClean="0"/>
-              <a:t>Gap closing for finishing</a:t>
-            </a:r>
-          </a:p>
-          <a:p>
-            <a:r>
-              <a:rPr lang="en-GB" dirty="0" smtClean="0"/>
-              <a:t>Add Sanger reads	</a:t>
-            </a:r>
-          </a:p>
-          <a:p>
-            <a:pPr lvl="1"/>
-            <a:r>
-              <a:rPr lang="en-GB" dirty="0" smtClean="0"/>
-              <a:t>32kb limit</a:t>
-            </a:r>
-          </a:p>
-          <a:p>
-            <a:r>
-              <a:rPr lang="en-GB" dirty="0" smtClean="0"/>
-              <a:t>Does not work well with 454 reads</a:t>
-            </a:r>
-          </a:p>
-          <a:p>
-            <a:endParaRPr lang="en-GB" dirty="0" smtClean="0"/>
-          </a:p>
-          <a:p>
-            <a:r>
-              <a:rPr lang="en-GB" smtClean="0">
-                <a:hlinkClick r:id="rId2"/>
-              </a:rPr>
-              <a:t>http://www.baseclear.com/landingpages/sspacev12/</a:t>
-            </a:r>
-            <a:endParaRPr lang="en-GB" smtClean="0"/>
-          </a:p>
-          <a:p>
-            <a:endParaRPr lang="en-GB" dirty="0" smtClean="0"/>
-          </a:p>
-          <a:p>
-            <a:pPr>
-              <a:buNone/>
-            </a:pPr>
-            <a:endParaRPr lang="en-GB" dirty="0"/>
-          </a:p>
-        </p:txBody>
-      </p:sp>
-    </p:spTree>
-  </p:cSld>
-  <p:clrMapOvr>
-    <a:masterClrMapping/>
-  </p:clrMapOvr>
-</p:sld>
-</file>
-
-<file path=ppt/slides/slide2.xml><?xml version="1.0" encoding="utf-8"?>
-<p:sld xmlns:a="http://schemas.openxmlformats.org/drawingml/2006/main" xmlns:r="http://schemas.openxmlformats.org/officeDocument/2006/relationships" xmlns:mc="http://schemas.openxmlformats.org/markup-compatibility/2006" xmlns:mv="urn:schemas-microsoft-com:mac:vml" xmlns:p="http://schemas.openxmlformats.org/presentationml/2006/main" mc:Ignorable="mv" mc:PreserveAttributes="mv:*">
-  <p:cSld>
-    <p:spTree>
-      <p:nvGrpSpPr>
-        <p:cNvPr id="1" name=""/>
-        <p:cNvGrpSpPr/>
-        <p:nvPr/>
-      </p:nvGrpSpPr>
-      <p:grpSpPr>
-        <a:xfrm>
-          <a:off x="0" y="0"/>
-          <a:ext cx="0" cy="0"/>
-          <a:chOff x="0" y="0"/>
-          <a:chExt cx="0" cy="0"/>
-        </a:xfrm>
-      </p:grpSpPr>
-      <p:sp>
-        <p:nvSpPr>
-          <p:cNvPr id="2" name="Title 1"/>
-          <p:cNvSpPr>
-            <a:spLocks noGrp="1"/>
-          </p:cNvSpPr>
-          <p:nvPr>
-            <p:ph type="title"/>
-          </p:nvPr>
-        </p:nvSpPr>
-        <p:spPr/>
-        <p:txBody>
-          <a:bodyPr/>
-          <a:lstStyle/>
-          <a:p>
-            <a:r>
-              <a:rPr lang="en-GB" dirty="0" smtClean="0"/>
-              <a:t>Velvet</a:t>
-            </a:r>
-            <a:endParaRPr lang="en-GB" dirty="0"/>
-          </a:p>
-        </p:txBody>
-      </p:sp>
-      <p:sp>
-        <p:nvSpPr>
-          <p:cNvPr id="3" name="Content Placeholder 2"/>
-          <p:cNvSpPr>
-            <a:spLocks noGrp="1"/>
-          </p:cNvSpPr>
-          <p:nvPr>
-            <p:ph idx="1"/>
-          </p:nvPr>
-        </p:nvSpPr>
-        <p:spPr/>
-        <p:txBody>
-          <a:bodyPr/>
-          <a:lstStyle/>
-          <a:p>
-            <a:r>
-              <a:rPr lang="en-GB" dirty="0" smtClean="0"/>
-              <a:t>One of the first short read assemblies</a:t>
-            </a:r>
-          </a:p>
-          <a:p>
-            <a:r>
-              <a:rPr lang="en-GB" dirty="0" smtClean="0"/>
-              <a:t>Developed by Daniel </a:t>
-            </a:r>
-            <a:r>
-              <a:rPr lang="en-GB" dirty="0" err="1" smtClean="0"/>
-              <a:t>Zerbino</a:t>
-            </a:r>
-            <a:r>
-              <a:rPr lang="en-GB" dirty="0" smtClean="0"/>
-              <a:t> of EBI</a:t>
-            </a:r>
-          </a:p>
-          <a:p>
-            <a:r>
-              <a:rPr lang="en-GB" dirty="0" smtClean="0"/>
-              <a:t>A </a:t>
-            </a:r>
-            <a:r>
-              <a:rPr lang="en-GB" i="1" dirty="0" smtClean="0"/>
-              <a:t>de </a:t>
-            </a:r>
-            <a:r>
-              <a:rPr lang="en-GB" i="1" dirty="0" err="1" smtClean="0"/>
-              <a:t>Bruijn</a:t>
-            </a:r>
-            <a:r>
-              <a:rPr lang="en-GB" i="1" dirty="0" smtClean="0"/>
-              <a:t> </a:t>
-            </a:r>
-            <a:r>
-              <a:rPr lang="en-GB" dirty="0" smtClean="0"/>
-              <a:t>graph assembler, like:</a:t>
-            </a:r>
-          </a:p>
-          <a:p>
-            <a:pPr lvl="1"/>
-            <a:r>
-              <a:rPr lang="en-GB" dirty="0" err="1" smtClean="0"/>
-              <a:t>SOAPdenovo</a:t>
-            </a:r>
-            <a:r>
-              <a:rPr lang="en-GB" dirty="0" smtClean="0"/>
-              <a:t> (Panda)</a:t>
-            </a:r>
-          </a:p>
-          <a:p>
-            <a:pPr lvl="1"/>
-            <a:r>
-              <a:rPr lang="en-GB" dirty="0" smtClean="0"/>
-              <a:t>ABYSS</a:t>
-            </a:r>
-          </a:p>
-          <a:p>
-            <a:pPr lvl="1"/>
-            <a:r>
-              <a:rPr lang="en-GB" dirty="0" smtClean="0"/>
-              <a:t>ALLPATHS</a:t>
-            </a:r>
-          </a:p>
-          <a:p>
-            <a:pPr lvl="1"/>
-            <a:r>
-              <a:rPr lang="en-GB" dirty="0" smtClean="0"/>
-              <a:t>Etc.</a:t>
-            </a:r>
-          </a:p>
-        </p:txBody>
-      </p:sp>
-    </p:spTree>
-  </p:cSld>
-  <p:clrMapOvr>
-    <a:masterClrMapping/>
-  </p:clrMapOvr>
-</p:sld>
-</file>
-
-<file path=ppt/slides/slide3.xml><?xml version="1.0" encoding="utf-8"?>
-<p:sld xmlns:a="http://schemas.openxmlformats.org/drawingml/2006/main" xmlns:r="http://schemas.openxmlformats.org/officeDocument/2006/relationships" xmlns:mc="http://schemas.openxmlformats.org/markup-compatibility/2006" xmlns:mv="urn:schemas-microsoft-com:mac:vml" xmlns:p="http://schemas.openxmlformats.org/presentationml/2006/main" mc:Ignorable="mv" mc:PreserveAttributes="mv:*">
+<p:sld xmlns:a="http://schemas.openxmlformats.org/drawingml/2006/main" xmlns:r="http://schemas.openxmlformats.org/officeDocument/2006/relationships" xmlns:p="http://schemas.openxmlformats.org/presentationml/2006/main">
   <p:cSld>
     <p:spTree>
       <p:nvGrpSpPr>
@@ -3882,8 +3424,8 @@
 </p:sld>
 </file>
 
-<file path=ppt/slides/slide4.xml><?xml version="1.0" encoding="utf-8"?>
-<p:sld xmlns:a="http://schemas.openxmlformats.org/drawingml/2006/main" xmlns:r="http://schemas.openxmlformats.org/officeDocument/2006/relationships" xmlns:mc="http://schemas.openxmlformats.org/markup-compatibility/2006" xmlns:mv="urn:schemas-microsoft-com:mac:vml" xmlns:p="http://schemas.openxmlformats.org/presentationml/2006/main" mc:Ignorable="mv" mc:PreserveAttributes="mv:*">
+<file path=ppt/slides/slide12.xml><?xml version="1.0" encoding="utf-8"?>
+<p:sld xmlns:a="http://schemas.openxmlformats.org/drawingml/2006/main" xmlns:r="http://schemas.openxmlformats.org/officeDocument/2006/relationships" xmlns:p="http://schemas.openxmlformats.org/presentationml/2006/main">
   <p:cSld>
     <p:spTree>
       <p:nvGrpSpPr>
@@ -3915,16 +3457,16 @@
           <a:lstStyle/>
           <a:p>
             <a:r>
-              <a:rPr lang="en-GB" i="1" dirty="0" smtClean="0"/>
+              <a:rPr lang="en-GB" dirty="0" smtClean="0"/>
               <a:t>K-</a:t>
             </a:r>
             <a:r>
-              <a:rPr lang="en-GB" i="1" dirty="0" err="1" smtClean="0"/>
-              <a:t>mers</a:t>
-            </a:r>
-            <a:r>
-              <a:rPr lang="en-GB" i="1" dirty="0" smtClean="0"/>
-              <a:t> and K</a:t>
+              <a:rPr lang="en-GB" dirty="0" err="1" smtClean="0"/>
+              <a:t>mer</a:t>
+            </a:r>
+            <a:r>
+              <a:rPr lang="en-GB" dirty="0" smtClean="0"/>
+              <a:t> coverage</a:t>
             </a:r>
             <a:endParaRPr lang="en-GB" dirty="0"/>
           </a:p>
@@ -3932,15 +3474,15 @@
       </p:sp>
       <p:sp>
         <p:nvSpPr>
-          <p:cNvPr id="4" name="Rectangle 3"/>
-          <p:cNvSpPr/>
-          <p:nvPr/>
+          <p:cNvPr id="4" name="Content Placeholder 3"/>
+          <p:cNvSpPr>
+            <a:spLocks noGrp="1"/>
+          </p:cNvSpPr>
+          <p:nvPr>
+            <p:ph idx="1"/>
+          </p:nvPr>
         </p:nvSpPr>
         <p:spPr>
-          <a:xfrm>
-            <a:off x="2267744" y="5445224"/>
-            <a:ext cx="4572000" cy="1200329"/>
-          </a:xfrm>
           <a:prstGeom prst="rect">
             <a:avLst/>
           </a:prstGeom>
@@ -3963,115 +3505,6 @@
               <a:rPr lang="en-GB" dirty="0" smtClean="0"/>
               <a:t> coverage Ck and standard (nucleotide-wise) coverage C is Ck = C ∗ (L−k +1)/L where k is your hash length, and L your read length.</a:t>
             </a:r>
-            <a:endParaRPr lang="en-GB" dirty="0"/>
-          </a:p>
-        </p:txBody>
-      </p:sp>
-      <p:sp>
-        <p:nvSpPr>
-          <p:cNvPr id="5" name="Rectangle 4"/>
-          <p:cNvSpPr/>
-          <p:nvPr/>
-        </p:nvSpPr>
-        <p:spPr>
-          <a:xfrm>
-            <a:off x="1331640" y="1484784"/>
-            <a:ext cx="6696744" cy="3970318"/>
-          </a:xfrm>
-          <a:prstGeom prst="rect">
-            <a:avLst/>
-          </a:prstGeom>
-        </p:spPr>
-        <p:txBody>
-          <a:bodyPr wrap="square">
-            <a:spAutoFit/>
-          </a:bodyPr>
-          <a:lstStyle/>
-          <a:p>
-            <a:r>
-              <a:rPr lang="en-GB" dirty="0" smtClean="0"/>
-              <a:t>there is no magical value of k which gives best assemblies</a:t>
-            </a:r>
-          </a:p>
-          <a:p>
-            <a:endParaRPr lang="en-GB" dirty="0" smtClean="0"/>
-          </a:p>
-          <a:p>
-            <a:r>
-              <a:rPr lang="en-GB" dirty="0" smtClean="0"/>
-              <a:t>depends on genome sequenced and the sequencing run</a:t>
-            </a:r>
-          </a:p>
-          <a:p>
-            <a:endParaRPr lang="en-GB" dirty="0" smtClean="0"/>
-          </a:p>
-          <a:p>
-            <a:r>
-              <a:rPr lang="en-GB" dirty="0" smtClean="0"/>
-              <a:t>rules</a:t>
-            </a:r>
-          </a:p>
-          <a:p>
-            <a:endParaRPr lang="en-GB" dirty="0" smtClean="0"/>
-          </a:p>
-          <a:p>
-            <a:r>
-              <a:rPr lang="en-GB" dirty="0" smtClean="0"/>
-              <a:t>k must be less than the read length</a:t>
-            </a:r>
-          </a:p>
-          <a:p>
-            <a:endParaRPr lang="en-GB" dirty="0" smtClean="0"/>
-          </a:p>
-          <a:p>
-            <a:r>
-              <a:rPr lang="en-GB" dirty="0" smtClean="0"/>
-              <a:t>k can't be an even number (can produce palindromes)</a:t>
-            </a:r>
-          </a:p>
-          <a:p>
-            <a:endParaRPr lang="en-GB" dirty="0" smtClean="0"/>
-          </a:p>
-          <a:p>
-            <a:r>
-              <a:rPr lang="en-GB" dirty="0" smtClean="0"/>
-              <a:t>Bigger </a:t>
-            </a:r>
-            <a:r>
-              <a:rPr lang="en-GB" i="1" dirty="0" smtClean="0"/>
-              <a:t>k </a:t>
-            </a:r>
-            <a:r>
-              <a:rPr lang="en-GB" dirty="0" smtClean="0"/>
-              <a:t>– fewer overlaps, lower k-</a:t>
-            </a:r>
-            <a:r>
-              <a:rPr lang="en-GB" dirty="0" err="1" smtClean="0"/>
-              <a:t>mer</a:t>
-            </a:r>
-            <a:r>
-              <a:rPr lang="en-GB" dirty="0" smtClean="0"/>
-              <a:t> coverage</a:t>
-            </a:r>
-          </a:p>
-          <a:p>
-            <a:endParaRPr lang="en-GB" dirty="0" smtClean="0"/>
-          </a:p>
-          <a:p>
-            <a:r>
-              <a:rPr lang="en-GB" dirty="0" smtClean="0"/>
-              <a:t>Lower </a:t>
-            </a:r>
-            <a:r>
-              <a:rPr lang="en-GB" i="1" dirty="0" smtClean="0"/>
-              <a:t>k</a:t>
-            </a:r>
-            <a:r>
-              <a:rPr lang="en-GB" dirty="0" smtClean="0"/>
-              <a:t> – more overlaps, more coverage</a:t>
-            </a:r>
-          </a:p>
-          <a:p>
             <a:endParaRPr lang="en-GB" dirty="0"/>
           </a:p>
         </p:txBody>
@@ -4084,8 +3517,8 @@
 </p:sld>
 </file>
 
-<file path=ppt/slides/slide5.xml><?xml version="1.0" encoding="utf-8"?>
-<p:sld xmlns:a="http://schemas.openxmlformats.org/drawingml/2006/main" xmlns:r="http://schemas.openxmlformats.org/officeDocument/2006/relationships" xmlns:mc="http://schemas.openxmlformats.org/markup-compatibility/2006" xmlns:mv="urn:schemas-microsoft-com:mac:vml" xmlns:p="http://schemas.openxmlformats.org/presentationml/2006/main" mc:Ignorable="mv" mc:PreserveAttributes="mv:*">
+<file path=ppt/slides/slide13.xml><?xml version="1.0" encoding="utf-8"?>
+<p:sld xmlns:a="http://schemas.openxmlformats.org/drawingml/2006/main" xmlns:r="http://schemas.openxmlformats.org/officeDocument/2006/relationships" xmlns:p="http://schemas.openxmlformats.org/presentationml/2006/main">
   <p:cSld>
     <p:spTree>
       <p:nvGrpSpPr>
@@ -4117,98 +3550,49 @@
           <a:lstStyle/>
           <a:p>
             <a:r>
+              <a:rPr lang="en-GB" dirty="0" smtClean="0"/>
+              <a:t>More errors require shorter k-</a:t>
+            </a:r>
+            <a:r>
               <a:rPr lang="en-GB" dirty="0" err="1" smtClean="0"/>
-              <a:t>Exp_cov</a:t>
+              <a:t>mers</a:t>
             </a:r>
             <a:endParaRPr lang="en-GB" dirty="0"/>
           </a:p>
         </p:txBody>
       </p:sp>
-      <p:sp>
-        <p:nvSpPr>
-          <p:cNvPr id="3" name="Content Placeholder 2"/>
-          <p:cNvSpPr>
-            <a:spLocks noGrp="1"/>
-          </p:cNvSpPr>
-          <p:nvPr>
-            <p:ph idx="1"/>
-          </p:nvPr>
-        </p:nvSpPr>
-        <p:spPr/>
-        <p:txBody>
-          <a:bodyPr>
-            <a:normAutofit lnSpcReduction="10000"/>
-          </a:bodyPr>
-          <a:lstStyle/>
-          <a:p>
-            <a:r>
-              <a:rPr lang="en-GB" dirty="0" smtClean="0"/>
-              <a:t>Can make a big difference to your assembly if you have long (e.g. 2*k) or paired-reads</a:t>
-            </a:r>
-          </a:p>
-          <a:p>
-            <a:r>
-              <a:rPr lang="en-GB" dirty="0" smtClean="0"/>
-              <a:t>But can also introduce </a:t>
-            </a:r>
-            <a:r>
-              <a:rPr lang="en-GB" dirty="0" err="1" smtClean="0"/>
-              <a:t>misassemblies</a:t>
-            </a:r>
-            <a:r>
-              <a:rPr lang="en-GB" dirty="0" smtClean="0"/>
-              <a:t> if set too high</a:t>
-            </a:r>
-          </a:p>
-          <a:p>
-            <a:r>
-              <a:rPr lang="en-GB" dirty="0" smtClean="0"/>
-              <a:t>Velvet can estimate it for you (</a:t>
-            </a:r>
-            <a:r>
-              <a:rPr lang="en-GB" i="1" dirty="0" smtClean="0"/>
-              <a:t>auto</a:t>
-            </a:r>
-            <a:r>
-              <a:rPr lang="en-GB" dirty="0" smtClean="0"/>
-              <a:t>)</a:t>
-            </a:r>
-            <a:endParaRPr lang="en-GB" i="1" dirty="0" smtClean="0"/>
-          </a:p>
-          <a:p>
-            <a:r>
-              <a:rPr lang="en-GB" i="1" dirty="0" smtClean="0"/>
-              <a:t>But the estimate may not always </a:t>
-            </a:r>
-            <a:r>
-              <a:rPr lang="en-GB" dirty="0" smtClean="0"/>
-              <a:t>be best</a:t>
-            </a:r>
-          </a:p>
-          <a:p>
-            <a:r>
-              <a:rPr lang="en-GB" dirty="0" smtClean="0"/>
-              <a:t>Assumes even coverage – won’t work with </a:t>
-            </a:r>
-            <a:r>
-              <a:rPr lang="en-GB" dirty="0" err="1" smtClean="0"/>
-              <a:t>transcriptomes</a:t>
-            </a:r>
-            <a:r>
-              <a:rPr lang="en-GB" dirty="0" smtClean="0"/>
-              <a:t> or </a:t>
-            </a:r>
-            <a:r>
-              <a:rPr lang="en-GB" dirty="0" err="1" smtClean="0"/>
-              <a:t>ChIP-seq</a:t>
-            </a:r>
-            <a:endParaRPr lang="en-GB" dirty="0" smtClean="0"/>
-          </a:p>
-          <a:p>
-            <a:endParaRPr lang="en-GB" dirty="0" smtClean="0"/>
-          </a:p>
-        </p:txBody>
-      </p:sp>
+      <p:pic>
+        <p:nvPicPr>
+          <p:cNvPr id="1026" name="Picture 2"/>
+          <p:cNvPicPr>
+            <a:picLocks noChangeAspect="1" noChangeArrowheads="1"/>
+          </p:cNvPicPr>
+          <p:nvPr/>
+        </p:nvPicPr>
+        <p:blipFill>
+          <a:blip r:embed="rId2" cstate="print"/>
+          <a:srcRect/>
+          <a:stretch>
+            <a:fillRect/>
+          </a:stretch>
+        </p:blipFill>
+        <p:spPr bwMode="auto">
+          <a:xfrm>
+            <a:off x="0" y="2447925"/>
+            <a:ext cx="9248775" cy="1962150"/>
+          </a:xfrm>
+          <a:prstGeom prst="rect">
+            <a:avLst/>
+          </a:prstGeom>
+          <a:noFill/>
+          <a:ln w="9525">
+            <a:noFill/>
+            <a:miter lim="800000"/>
+            <a:headEnd/>
+            <a:tailEnd/>
+          </a:ln>
+        </p:spPr>
+      </p:pic>
     </p:spTree>
   </p:cSld>
   <p:clrMapOvr>
@@ -4217,8 +3601,8 @@
 </p:sld>
 </file>
 
-<file path=ppt/slides/slide6.xml><?xml version="1.0" encoding="utf-8"?>
-<p:sld xmlns:a="http://schemas.openxmlformats.org/drawingml/2006/main" xmlns:r="http://schemas.openxmlformats.org/officeDocument/2006/relationships" xmlns:mc="http://schemas.openxmlformats.org/markup-compatibility/2006" xmlns:mv="urn:schemas-microsoft-com:mac:vml" xmlns:p="http://schemas.openxmlformats.org/presentationml/2006/main" mc:Ignorable="mv" mc:PreserveAttributes="mv:*">
+<file path=ppt/slides/slide14.xml><?xml version="1.0" encoding="utf-8"?>
+<p:sld xmlns:a="http://schemas.openxmlformats.org/drawingml/2006/main" xmlns:r="http://schemas.openxmlformats.org/officeDocument/2006/relationships" xmlns:p="http://schemas.openxmlformats.org/presentationml/2006/main">
   <p:cSld>
     <p:spTree>
       <p:nvGrpSpPr>
@@ -4251,7 +3635,7 @@
           <a:p>
             <a:r>
               <a:rPr lang="en-GB" dirty="0" err="1" smtClean="0"/>
-              <a:t>Cov_cutoff</a:t>
+              <a:t>Exp_cov</a:t>
             </a:r>
             <a:endParaRPr lang="en-GB" dirty="0"/>
           </a:p>
@@ -4270,52 +3654,75 @@
         <p:spPr/>
         <p:txBody>
           <a:bodyPr>
-            <a:normAutofit lnSpcReduction="10000"/>
+            <a:normAutofit/>
           </a:bodyPr>
           <a:lstStyle/>
           <a:p>
             <a:r>
               <a:rPr lang="en-GB" dirty="0" smtClean="0"/>
-              <a:t>Simplifies the assembly graph by removing nodes with less than a given cut-off</a:t>
-            </a:r>
-          </a:p>
-          <a:p>
-            <a:pPr>
-              <a:buNone/>
-            </a:pPr>
+              <a:t>Can make a big difference to your assembly if you have long (e.g. 2*k) or paired-reads</a:t>
+            </a:r>
+          </a:p>
+          <a:p>
+            <a:r>
+              <a:rPr lang="en-GB" dirty="0" smtClean="0"/>
+              <a:t>But can also introduce </a:t>
+            </a:r>
+            <a:r>
+              <a:rPr lang="en-GB" dirty="0" err="1" smtClean="0"/>
+              <a:t>misassemblies</a:t>
+            </a:r>
+            <a:r>
+              <a:rPr lang="en-GB" dirty="0" smtClean="0"/>
+              <a:t> if set too high</a:t>
+            </a:r>
+          </a:p>
+          <a:p>
+            <a:r>
+              <a:rPr lang="en-GB" dirty="0" smtClean="0"/>
+              <a:t>Velvet can estimate it for you (</a:t>
+            </a:r>
+            <a:r>
+              <a:rPr lang="en-GB" i="1" dirty="0" smtClean="0"/>
+              <a:t>auto</a:t>
+            </a:r>
+            <a:r>
+              <a:rPr lang="en-GB" dirty="0" smtClean="0"/>
+              <a:t>)</a:t>
+            </a:r>
+            <a:endParaRPr lang="en-GB" i="1" dirty="0" smtClean="0"/>
+          </a:p>
+          <a:p>
+            <a:r>
+              <a:rPr lang="en-GB" i="1" dirty="0" smtClean="0"/>
+              <a:t>But the estimate may not always </a:t>
+            </a:r>
+            <a:r>
+              <a:rPr lang="en-GB" dirty="0" smtClean="0"/>
+              <a:t>be best</a:t>
+            </a:r>
+          </a:p>
+          <a:p>
+            <a:r>
+              <a:rPr lang="en-GB" dirty="0" smtClean="0"/>
+              <a:t>Assumes even coverage – won’t work with </a:t>
+            </a:r>
+            <a:r>
+              <a:rPr lang="en-GB" dirty="0" err="1" smtClean="0"/>
+              <a:t>transcriptomes</a:t>
+            </a:r>
+            <a:r>
+              <a:rPr lang="en-GB" dirty="0" smtClean="0"/>
+              <a:t> or </a:t>
+            </a:r>
+            <a:r>
+              <a:rPr lang="en-GB" dirty="0" err="1" smtClean="0"/>
+              <a:t>ChIP-seq</a:t>
+            </a:r>
             <a:endParaRPr lang="en-GB" dirty="0" smtClean="0"/>
           </a:p>
           <a:p>
-            <a:r>
-              <a:rPr lang="en-GB" dirty="0" smtClean="0"/>
-              <a:t>Removes low frequency k-</a:t>
-            </a:r>
-            <a:r>
-              <a:rPr lang="en-GB" dirty="0" err="1" smtClean="0"/>
-              <a:t>mers</a:t>
-            </a:r>
-            <a:r>
-              <a:rPr lang="en-GB" dirty="0" smtClean="0"/>
-              <a:t> which may result from sequencing error</a:t>
-            </a:r>
-          </a:p>
-          <a:p>
             <a:endParaRPr lang="en-GB" dirty="0" smtClean="0"/>
-          </a:p>
-          <a:p>
-            <a:r>
-              <a:rPr lang="en-GB" dirty="0" smtClean="0"/>
-              <a:t>Higher </a:t>
-            </a:r>
-            <a:r>
-              <a:rPr lang="en-GB" dirty="0" err="1" smtClean="0"/>
-              <a:t>cov_cutoff</a:t>
-            </a:r>
-            <a:r>
-              <a:rPr lang="en-GB" dirty="0" smtClean="0"/>
-              <a:t> gives more stringent assembly</a:t>
-            </a:r>
-            <a:endParaRPr lang="en-GB" dirty="0"/>
           </a:p>
         </p:txBody>
       </p:sp>
@@ -4327,8 +3734,118 @@
 </p:sld>
 </file>
 
-<file path=ppt/slides/slide7.xml><?xml version="1.0" encoding="utf-8"?>
-<p:sld xmlns:a="http://schemas.openxmlformats.org/drawingml/2006/main" xmlns:r="http://schemas.openxmlformats.org/officeDocument/2006/relationships" xmlns:mc="http://schemas.openxmlformats.org/markup-compatibility/2006" xmlns:mv="urn:schemas-microsoft-com:mac:vml" xmlns:p="http://schemas.openxmlformats.org/presentationml/2006/main" mc:Ignorable="mv" mc:PreserveAttributes="mv:*">
+<file path=ppt/slides/slide15.xml><?xml version="1.0" encoding="utf-8"?>
+<p:sld xmlns:a="http://schemas.openxmlformats.org/drawingml/2006/main" xmlns:r="http://schemas.openxmlformats.org/officeDocument/2006/relationships" xmlns:p="http://schemas.openxmlformats.org/presentationml/2006/main">
+  <p:cSld>
+    <p:spTree>
+      <p:nvGrpSpPr>
+        <p:cNvPr id="1" name=""/>
+        <p:cNvGrpSpPr/>
+        <p:nvPr/>
+      </p:nvGrpSpPr>
+      <p:grpSpPr>
+        <a:xfrm>
+          <a:off x="0" y="0"/>
+          <a:ext cx="0" cy="0"/>
+          <a:chOff x="0" y="0"/>
+          <a:chExt cx="0" cy="0"/>
+        </a:xfrm>
+      </p:grpSpPr>
+      <p:sp>
+        <p:nvSpPr>
+          <p:cNvPr id="2" name="Title 1"/>
+          <p:cNvSpPr>
+            <a:spLocks noGrp="1"/>
+          </p:cNvSpPr>
+          <p:nvPr>
+            <p:ph type="title"/>
+          </p:nvPr>
+        </p:nvSpPr>
+        <p:spPr/>
+        <p:txBody>
+          <a:bodyPr/>
+          <a:lstStyle/>
+          <a:p>
+            <a:r>
+              <a:rPr lang="en-GB" dirty="0" err="1" smtClean="0"/>
+              <a:t>Cov_cutoff</a:t>
+            </a:r>
+            <a:endParaRPr lang="en-GB" dirty="0"/>
+          </a:p>
+        </p:txBody>
+      </p:sp>
+      <p:sp>
+        <p:nvSpPr>
+          <p:cNvPr id="3" name="Content Placeholder 2"/>
+          <p:cNvSpPr>
+            <a:spLocks noGrp="1"/>
+          </p:cNvSpPr>
+          <p:nvPr>
+            <p:ph idx="1"/>
+          </p:nvPr>
+        </p:nvSpPr>
+        <p:spPr/>
+        <p:txBody>
+          <a:bodyPr>
+            <a:normAutofit/>
+          </a:bodyPr>
+          <a:lstStyle/>
+          <a:p>
+            <a:r>
+              <a:rPr lang="en-GB" dirty="0" smtClean="0"/>
+              <a:t>Simplifies the assembly graph by removing nodes with less than a given cut-off</a:t>
+            </a:r>
+          </a:p>
+          <a:p>
+            <a:pPr>
+              <a:buNone/>
+            </a:pPr>
+            <a:endParaRPr lang="en-GB" dirty="0" smtClean="0"/>
+          </a:p>
+          <a:p>
+            <a:r>
+              <a:rPr lang="en-GB" dirty="0" smtClean="0"/>
+              <a:t>Removes low frequency k-</a:t>
+            </a:r>
+            <a:r>
+              <a:rPr lang="en-GB" dirty="0" err="1" smtClean="0"/>
+              <a:t>mers</a:t>
+            </a:r>
+            <a:r>
+              <a:rPr lang="en-GB" dirty="0" smtClean="0"/>
+              <a:t> which may result from sequencing error</a:t>
+            </a:r>
+          </a:p>
+          <a:p>
+            <a:endParaRPr lang="en-GB" dirty="0" smtClean="0"/>
+          </a:p>
+          <a:p>
+            <a:r>
+              <a:rPr lang="en-GB" dirty="0" smtClean="0"/>
+              <a:t>Higher </a:t>
+            </a:r>
+            <a:r>
+              <a:rPr lang="en-GB" dirty="0" err="1" smtClean="0"/>
+              <a:t>cov_cutoff</a:t>
+            </a:r>
+            <a:r>
+              <a:rPr lang="en-GB" dirty="0" smtClean="0"/>
+              <a:t> gives more stringent assembly</a:t>
+            </a:r>
+            <a:endParaRPr lang="en-GB" dirty="0"/>
+          </a:p>
+        </p:txBody>
+      </p:sp>
+    </p:spTree>
+  </p:cSld>
+  <p:clrMapOvr>
+    <a:masterClrMapping/>
+  </p:clrMapOvr>
+</p:sld>
+</file>
+
+<file path=ppt/slides/slide16.xml><?xml version="1.0" encoding="utf-8"?>
+<p:sld xmlns:a="http://schemas.openxmlformats.org/drawingml/2006/main" xmlns:r="http://schemas.openxmlformats.org/officeDocument/2006/relationships" xmlns:p="http://schemas.openxmlformats.org/presentationml/2006/main">
   <p:cSld>
     <p:spTree>
       <p:nvGrpSpPr>
@@ -4378,8 +3895,8 @@
 </p:sld>
 </file>
 
-<file path=ppt/slides/slide8.xml><?xml version="1.0" encoding="utf-8"?>
-<p:sld xmlns:a="http://schemas.openxmlformats.org/drawingml/2006/main" xmlns:r="http://schemas.openxmlformats.org/officeDocument/2006/relationships" xmlns:mc="http://schemas.openxmlformats.org/markup-compatibility/2006" xmlns:mv="urn:schemas-microsoft-com:mac:vml" xmlns:p="http://schemas.openxmlformats.org/presentationml/2006/main" mc:Ignorable="mv" mc:PreserveAttributes="mv:*">
+<file path=ppt/slides/slide17.xml><?xml version="1.0" encoding="utf-8"?>
+<p:sld xmlns:a="http://schemas.openxmlformats.org/drawingml/2006/main" xmlns:r="http://schemas.openxmlformats.org/officeDocument/2006/relationships" xmlns:p="http://schemas.openxmlformats.org/presentationml/2006/main">
   <p:cSld>
     <p:spTree>
       <p:nvGrpSpPr>
@@ -4477,8 +3994,8 @@
 </p:sld>
 </file>
 
-<file path=ppt/slides/slide9.xml><?xml version="1.0" encoding="utf-8"?>
-<p:sld xmlns:a="http://schemas.openxmlformats.org/drawingml/2006/main" xmlns:r="http://schemas.openxmlformats.org/officeDocument/2006/relationships" xmlns:mc="http://schemas.openxmlformats.org/markup-compatibility/2006" xmlns:mv="urn:schemas-microsoft-com:mac:vml" xmlns:p="http://schemas.openxmlformats.org/presentationml/2006/main" mc:Ignorable="mv" mc:PreserveAttributes="mv:*">
+<file path=ppt/slides/slide18.xml><?xml version="1.0" encoding="utf-8"?>
+<p:sld xmlns:a="http://schemas.openxmlformats.org/drawingml/2006/main" xmlns:r="http://schemas.openxmlformats.org/officeDocument/2006/relationships" xmlns:p="http://schemas.openxmlformats.org/presentationml/2006/main">
   <p:cSld>
     <p:spTree>
       <p:nvGrpSpPr>
@@ -4553,6 +4070,1648 @@
               <a:t>calculaet</a:t>
             </a:r>
             <a:endParaRPr lang="en-GB" dirty="0" smtClean="0"/>
+          </a:p>
+          <a:p>
+            <a:endParaRPr lang="en-GB" dirty="0"/>
+          </a:p>
+        </p:txBody>
+      </p:sp>
+    </p:spTree>
+  </p:cSld>
+  <p:clrMapOvr>
+    <a:masterClrMapping/>
+  </p:clrMapOvr>
+</p:sld>
+</file>
+
+<file path=ppt/slides/slide19.xml><?xml version="1.0" encoding="utf-8"?>
+<p:sld xmlns:a="http://schemas.openxmlformats.org/drawingml/2006/main" xmlns:r="http://schemas.openxmlformats.org/officeDocument/2006/relationships" xmlns:p="http://schemas.openxmlformats.org/presentationml/2006/main">
+  <p:cSld>
+    <p:spTree>
+      <p:nvGrpSpPr>
+        <p:cNvPr id="1" name=""/>
+        <p:cNvGrpSpPr/>
+        <p:nvPr/>
+      </p:nvGrpSpPr>
+      <p:grpSpPr>
+        <a:xfrm>
+          <a:off x="0" y="0"/>
+          <a:ext cx="0" cy="0"/>
+          <a:chOff x="0" y="0"/>
+          <a:chExt cx="0" cy="0"/>
+        </a:xfrm>
+      </p:grpSpPr>
+      <p:sp>
+        <p:nvSpPr>
+          <p:cNvPr id="2" name="Title 1"/>
+          <p:cNvSpPr>
+            <a:spLocks noGrp="1"/>
+          </p:cNvSpPr>
+          <p:nvPr>
+            <p:ph type="title"/>
+          </p:nvPr>
+        </p:nvSpPr>
+        <p:spPr/>
+        <p:txBody>
+          <a:bodyPr/>
+          <a:lstStyle/>
+          <a:p>
+            <a:r>
+              <a:rPr lang="en-GB" dirty="0" smtClean="0"/>
+              <a:t>Mate-pair data</a:t>
+            </a:r>
+            <a:endParaRPr lang="en-GB" dirty="0"/>
+          </a:p>
+        </p:txBody>
+      </p:sp>
+      <p:sp>
+        <p:nvSpPr>
+          <p:cNvPr id="3" name="Content Placeholder 2"/>
+          <p:cNvSpPr>
+            <a:spLocks noGrp="1"/>
+          </p:cNvSpPr>
+          <p:nvPr>
+            <p:ph idx="1"/>
+          </p:nvPr>
+        </p:nvSpPr>
+        <p:spPr/>
+        <p:txBody>
+          <a:bodyPr/>
+          <a:lstStyle/>
+          <a:p>
+            <a:r>
+              <a:rPr lang="en-GB" dirty="0" smtClean="0"/>
+              <a:t>Orientation different</a:t>
+            </a:r>
+          </a:p>
+          <a:p>
+            <a:r>
+              <a:rPr lang="en-GB" dirty="0" smtClean="0"/>
+              <a:t>Read contamination</a:t>
+            </a:r>
+          </a:p>
+          <a:p>
+            <a:endParaRPr lang="en-GB" dirty="0"/>
+          </a:p>
+        </p:txBody>
+      </p:sp>
+      <p:sp>
+        <p:nvSpPr>
+          <p:cNvPr id="4" name="Rectangle 3"/>
+          <p:cNvSpPr/>
+          <p:nvPr/>
+        </p:nvSpPr>
+        <p:spPr>
+          <a:xfrm>
+            <a:off x="899592" y="3573016"/>
+            <a:ext cx="6192688" cy="646331"/>
+          </a:xfrm>
+          <a:prstGeom prst="rect">
+            <a:avLst/>
+          </a:prstGeom>
+        </p:spPr>
+        <p:txBody>
+          <a:bodyPr wrap="square">
+            <a:spAutoFit/>
+          </a:bodyPr>
+          <a:lstStyle/>
+          <a:p>
+            <a:r>
+              <a:rPr lang="en-GB" dirty="0" smtClean="0"/>
+              <a:t>PE =&gt; insert &lt;=</a:t>
+            </a:r>
+          </a:p>
+          <a:p>
+            <a:r>
+              <a:rPr lang="en-GB" dirty="0" smtClean="0"/>
+              <a:t>mate-pair &lt;= insert =&gt;</a:t>
+            </a:r>
+            <a:endParaRPr lang="en-GB" dirty="0"/>
+          </a:p>
+        </p:txBody>
+      </p:sp>
+    </p:spTree>
+  </p:cSld>
+  <p:clrMapOvr>
+    <a:masterClrMapping/>
+  </p:clrMapOvr>
+</p:sld>
+</file>
+
+<file path=ppt/slides/slide2.xml><?xml version="1.0" encoding="utf-8"?>
+<p:sld xmlns:a="http://schemas.openxmlformats.org/drawingml/2006/main" xmlns:r="http://schemas.openxmlformats.org/officeDocument/2006/relationships" xmlns:p="http://schemas.openxmlformats.org/presentationml/2006/main">
+  <p:cSld>
+    <p:spTree>
+      <p:nvGrpSpPr>
+        <p:cNvPr id="1" name=""/>
+        <p:cNvGrpSpPr/>
+        <p:nvPr/>
+      </p:nvGrpSpPr>
+      <p:grpSpPr>
+        <a:xfrm>
+          <a:off x="0" y="0"/>
+          <a:ext cx="0" cy="0"/>
+          <a:chOff x="0" y="0"/>
+          <a:chExt cx="0" cy="0"/>
+        </a:xfrm>
+      </p:grpSpPr>
+      <p:sp>
+        <p:nvSpPr>
+          <p:cNvPr id="2" name="Title 1"/>
+          <p:cNvSpPr>
+            <a:spLocks noGrp="1"/>
+          </p:cNvSpPr>
+          <p:nvPr>
+            <p:ph type="title"/>
+          </p:nvPr>
+        </p:nvSpPr>
+        <p:spPr/>
+        <p:txBody>
+          <a:bodyPr/>
+          <a:lstStyle/>
+          <a:p>
+            <a:r>
+              <a:rPr lang="en-GB" dirty="0" smtClean="0"/>
+              <a:t>Velvet</a:t>
+            </a:r>
+            <a:endParaRPr lang="en-GB" dirty="0"/>
+          </a:p>
+        </p:txBody>
+      </p:sp>
+      <p:sp>
+        <p:nvSpPr>
+          <p:cNvPr id="3" name="Content Placeholder 2"/>
+          <p:cNvSpPr>
+            <a:spLocks noGrp="1"/>
+          </p:cNvSpPr>
+          <p:nvPr>
+            <p:ph idx="1"/>
+          </p:nvPr>
+        </p:nvSpPr>
+        <p:spPr/>
+        <p:txBody>
+          <a:bodyPr/>
+          <a:lstStyle/>
+          <a:p>
+            <a:r>
+              <a:rPr lang="en-GB" dirty="0" smtClean="0"/>
+              <a:t>One of the first short read </a:t>
+            </a:r>
+            <a:r>
+              <a:rPr lang="en-GB" dirty="0" smtClean="0"/>
+              <a:t>assemblers</a:t>
+            </a:r>
+            <a:endParaRPr lang="en-GB" dirty="0" smtClean="0"/>
+          </a:p>
+          <a:p>
+            <a:r>
+              <a:rPr lang="en-GB" dirty="0" smtClean="0"/>
+              <a:t>Developed by Daniel </a:t>
+            </a:r>
+            <a:r>
+              <a:rPr lang="en-GB" dirty="0" err="1" smtClean="0"/>
+              <a:t>Zerbino</a:t>
+            </a:r>
+            <a:r>
+              <a:rPr lang="en-GB" dirty="0" smtClean="0"/>
+              <a:t> of EBI</a:t>
+            </a:r>
+          </a:p>
+          <a:p>
+            <a:r>
+              <a:rPr lang="en-GB" dirty="0" smtClean="0"/>
+              <a:t>A </a:t>
+            </a:r>
+            <a:r>
+              <a:rPr lang="en-GB" i="1" dirty="0" smtClean="0"/>
+              <a:t>de </a:t>
+            </a:r>
+            <a:r>
+              <a:rPr lang="en-GB" i="1" dirty="0" err="1" smtClean="0"/>
+              <a:t>Bruijn</a:t>
+            </a:r>
+            <a:r>
+              <a:rPr lang="en-GB" i="1" dirty="0" smtClean="0"/>
+              <a:t> </a:t>
+            </a:r>
+            <a:r>
+              <a:rPr lang="en-GB" dirty="0" smtClean="0"/>
+              <a:t>graph assembler, like:</a:t>
+            </a:r>
+          </a:p>
+          <a:p>
+            <a:pPr lvl="1"/>
+            <a:r>
+              <a:rPr lang="en-GB" dirty="0" err="1" smtClean="0"/>
+              <a:t>SOAPdenovo</a:t>
+            </a:r>
+            <a:r>
+              <a:rPr lang="en-GB" dirty="0" smtClean="0"/>
+              <a:t> (Panda)</a:t>
+            </a:r>
+          </a:p>
+          <a:p>
+            <a:pPr lvl="1"/>
+            <a:r>
+              <a:rPr lang="en-GB" dirty="0" smtClean="0"/>
+              <a:t>ABYSS</a:t>
+            </a:r>
+          </a:p>
+          <a:p>
+            <a:pPr lvl="1"/>
+            <a:r>
+              <a:rPr lang="en-GB" dirty="0" smtClean="0"/>
+              <a:t>ALLPATHS</a:t>
+            </a:r>
+          </a:p>
+          <a:p>
+            <a:pPr lvl="1"/>
+            <a:r>
+              <a:rPr lang="en-GB" dirty="0" smtClean="0"/>
+              <a:t>Etc.</a:t>
+            </a:r>
+          </a:p>
+        </p:txBody>
+      </p:sp>
+    </p:spTree>
+  </p:cSld>
+  <p:clrMapOvr>
+    <a:masterClrMapping/>
+  </p:clrMapOvr>
+</p:sld>
+</file>
+
+<file path=ppt/slides/slide20.xml><?xml version="1.0" encoding="utf-8"?>
+<p:sld xmlns:a="http://schemas.openxmlformats.org/drawingml/2006/main" xmlns:r="http://schemas.openxmlformats.org/officeDocument/2006/relationships" xmlns:p="http://schemas.openxmlformats.org/presentationml/2006/main">
+  <p:cSld>
+    <p:spTree>
+      <p:nvGrpSpPr>
+        <p:cNvPr id="1" name=""/>
+        <p:cNvGrpSpPr/>
+        <p:nvPr/>
+      </p:nvGrpSpPr>
+      <p:grpSpPr>
+        <a:xfrm>
+          <a:off x="0" y="0"/>
+          <a:ext cx="0" cy="0"/>
+          <a:chOff x="0" y="0"/>
+          <a:chExt cx="0" cy="0"/>
+        </a:xfrm>
+      </p:grpSpPr>
+      <p:sp>
+        <p:nvSpPr>
+          <p:cNvPr id="2" name="Title 1"/>
+          <p:cNvSpPr>
+            <a:spLocks noGrp="1"/>
+          </p:cNvSpPr>
+          <p:nvPr>
+            <p:ph type="title"/>
+          </p:nvPr>
+        </p:nvSpPr>
+        <p:spPr/>
+        <p:txBody>
+          <a:bodyPr/>
+          <a:lstStyle/>
+          <a:p>
+            <a:r>
+              <a:rPr lang="en-GB" dirty="0" smtClean="0"/>
+              <a:t>Useful scripts for Velvet</a:t>
+            </a:r>
+            <a:endParaRPr lang="en-GB" dirty="0"/>
+          </a:p>
+        </p:txBody>
+      </p:sp>
+      <p:sp>
+        <p:nvSpPr>
+          <p:cNvPr id="3" name="Content Placeholder 2"/>
+          <p:cNvSpPr>
+            <a:spLocks noGrp="1"/>
+          </p:cNvSpPr>
+          <p:nvPr>
+            <p:ph idx="1"/>
+          </p:nvPr>
+        </p:nvSpPr>
+        <p:spPr/>
+        <p:txBody>
+          <a:bodyPr/>
+          <a:lstStyle/>
+          <a:p>
+            <a:r>
+              <a:rPr lang="en-GB" dirty="0" smtClean="0">
+                <a:hlinkClick r:id="rId2"/>
+              </a:rPr>
+              <a:t>http://code.google.com/p/standardized-velvet-assembly-report/</a:t>
+            </a:r>
+            <a:endParaRPr lang="en-GB" dirty="0"/>
+          </a:p>
+        </p:txBody>
+      </p:sp>
+    </p:spTree>
+  </p:cSld>
+  <p:clrMapOvr>
+    <a:masterClrMapping/>
+  </p:clrMapOvr>
+</p:sld>
+</file>
+
+<file path=ppt/slides/slide21.xml><?xml version="1.0" encoding="utf-8"?>
+<p:sld xmlns:a="http://schemas.openxmlformats.org/drawingml/2006/main" xmlns:r="http://schemas.openxmlformats.org/officeDocument/2006/relationships" xmlns:p="http://schemas.openxmlformats.org/presentationml/2006/main">
+  <p:cSld>
+    <p:spTree>
+      <p:nvGrpSpPr>
+        <p:cNvPr id="1" name=""/>
+        <p:cNvGrpSpPr/>
+        <p:nvPr/>
+      </p:nvGrpSpPr>
+      <p:grpSpPr>
+        <a:xfrm>
+          <a:off x="0" y="0"/>
+          <a:ext cx="0" cy="0"/>
+          <a:chOff x="0" y="0"/>
+          <a:chExt cx="0" cy="0"/>
+        </a:xfrm>
+      </p:grpSpPr>
+      <p:sp>
+        <p:nvSpPr>
+          <p:cNvPr id="2" name="Title 1"/>
+          <p:cNvSpPr>
+            <a:spLocks noGrp="1"/>
+          </p:cNvSpPr>
+          <p:nvPr>
+            <p:ph type="title"/>
+          </p:nvPr>
+        </p:nvSpPr>
+        <p:spPr/>
+        <p:txBody>
+          <a:bodyPr/>
+          <a:lstStyle/>
+          <a:p>
+            <a:r>
+              <a:rPr lang="en-GB" dirty="0" smtClean="0"/>
+              <a:t>Software derived from Velvet</a:t>
+            </a:r>
+            <a:endParaRPr lang="en-GB" dirty="0"/>
+          </a:p>
+        </p:txBody>
+      </p:sp>
+      <p:sp>
+        <p:nvSpPr>
+          <p:cNvPr id="3" name="Content Placeholder 2"/>
+          <p:cNvSpPr>
+            <a:spLocks noGrp="1"/>
+          </p:cNvSpPr>
+          <p:nvPr>
+            <p:ph idx="1"/>
+          </p:nvPr>
+        </p:nvSpPr>
+        <p:spPr/>
+        <p:txBody>
+          <a:bodyPr/>
+          <a:lstStyle/>
+          <a:p>
+            <a:r>
+              <a:rPr lang="en-GB" dirty="0" smtClean="0"/>
+              <a:t>Meta Velvet </a:t>
+            </a:r>
+          </a:p>
+          <a:p>
+            <a:pPr lvl="1"/>
+            <a:r>
+              <a:rPr lang="en-GB" dirty="0" smtClean="0"/>
+              <a:t>For meta genomic assemblies</a:t>
+            </a:r>
+          </a:p>
+          <a:p>
+            <a:r>
+              <a:rPr lang="en-GB" dirty="0" smtClean="0"/>
+              <a:t>OASES</a:t>
+            </a:r>
+          </a:p>
+          <a:p>
+            <a:pPr lvl="1"/>
+            <a:r>
+              <a:rPr lang="en-GB" dirty="0" smtClean="0"/>
+              <a:t>For </a:t>
+            </a:r>
+            <a:r>
+              <a:rPr lang="en-GB" dirty="0" err="1" smtClean="0"/>
+              <a:t>transcriptome</a:t>
+            </a:r>
+            <a:r>
+              <a:rPr lang="en-GB" dirty="0" smtClean="0"/>
+              <a:t> assemblies</a:t>
+            </a:r>
+            <a:endParaRPr lang="en-GB" dirty="0"/>
+          </a:p>
+        </p:txBody>
+      </p:sp>
+    </p:spTree>
+  </p:cSld>
+  <p:clrMapOvr>
+    <a:masterClrMapping/>
+  </p:clrMapOvr>
+</p:sld>
+</file>
+
+<file path=ppt/slides/slide22.xml><?xml version="1.0" encoding="utf-8"?>
+<p:sld xmlns:a="http://schemas.openxmlformats.org/drawingml/2006/main" xmlns:r="http://schemas.openxmlformats.org/officeDocument/2006/relationships" xmlns:p="http://schemas.openxmlformats.org/presentationml/2006/main">
+  <p:cSld>
+    <p:spTree>
+      <p:nvGrpSpPr>
+        <p:cNvPr id="1" name=""/>
+        <p:cNvGrpSpPr/>
+        <p:nvPr/>
+      </p:nvGrpSpPr>
+      <p:grpSpPr>
+        <a:xfrm>
+          <a:off x="0" y="0"/>
+          <a:ext cx="0" cy="0"/>
+          <a:chOff x="0" y="0"/>
+          <a:chExt cx="0" cy="0"/>
+        </a:xfrm>
+      </p:grpSpPr>
+      <p:sp>
+        <p:nvSpPr>
+          <p:cNvPr id="2" name="Title 1"/>
+          <p:cNvSpPr>
+            <a:spLocks noGrp="1"/>
+          </p:cNvSpPr>
+          <p:nvPr>
+            <p:ph type="title"/>
+          </p:nvPr>
+        </p:nvSpPr>
+        <p:spPr/>
+        <p:txBody>
+          <a:bodyPr/>
+          <a:lstStyle/>
+          <a:p>
+            <a:r>
+              <a:rPr lang="en-GB" dirty="0" smtClean="0"/>
+              <a:t>Advanced technique	</a:t>
+            </a:r>
+            <a:endParaRPr lang="en-GB" dirty="0"/>
+          </a:p>
+        </p:txBody>
+      </p:sp>
+      <p:sp>
+        <p:nvSpPr>
+          <p:cNvPr id="3" name="Content Placeholder 2"/>
+          <p:cNvSpPr>
+            <a:spLocks noGrp="1"/>
+          </p:cNvSpPr>
+          <p:nvPr>
+            <p:ph idx="1"/>
+          </p:nvPr>
+        </p:nvSpPr>
+        <p:spPr/>
+        <p:txBody>
+          <a:bodyPr/>
+          <a:lstStyle/>
+          <a:p>
+            <a:r>
+              <a:rPr lang="en-GB" dirty="0" smtClean="0"/>
+              <a:t>Gap closing for finishing</a:t>
+            </a:r>
+          </a:p>
+          <a:p>
+            <a:r>
+              <a:rPr lang="en-GB" dirty="0" smtClean="0"/>
+              <a:t>Add Sanger reads	</a:t>
+            </a:r>
+          </a:p>
+          <a:p>
+            <a:pPr lvl="1"/>
+            <a:r>
+              <a:rPr lang="en-GB" dirty="0" smtClean="0"/>
+              <a:t>32kb limit</a:t>
+            </a:r>
+          </a:p>
+          <a:p>
+            <a:r>
+              <a:rPr lang="en-GB" dirty="0" smtClean="0"/>
+              <a:t>Does not work well with 454 reads</a:t>
+            </a:r>
+          </a:p>
+          <a:p>
+            <a:endParaRPr lang="en-GB" dirty="0" smtClean="0"/>
+          </a:p>
+          <a:p>
+            <a:r>
+              <a:rPr lang="en-GB" smtClean="0">
+                <a:hlinkClick r:id="rId2"/>
+              </a:rPr>
+              <a:t>http://www.baseclear.com/landingpages/sspacev12/</a:t>
+            </a:r>
+            <a:endParaRPr lang="en-GB" smtClean="0"/>
+          </a:p>
+          <a:p>
+            <a:endParaRPr lang="en-GB" dirty="0" smtClean="0"/>
+          </a:p>
+          <a:p>
+            <a:pPr>
+              <a:buNone/>
+            </a:pPr>
+            <a:endParaRPr lang="en-GB" dirty="0"/>
+          </a:p>
+        </p:txBody>
+      </p:sp>
+    </p:spTree>
+  </p:cSld>
+  <p:clrMapOvr>
+    <a:masterClrMapping/>
+  </p:clrMapOvr>
+</p:sld>
+</file>
+
+<file path=ppt/slides/slide3.xml><?xml version="1.0" encoding="utf-8"?>
+<p:sld xmlns:a="http://schemas.openxmlformats.org/drawingml/2006/main" xmlns:r="http://schemas.openxmlformats.org/officeDocument/2006/relationships" xmlns:p="http://schemas.openxmlformats.org/presentationml/2006/main">
+  <p:cSld>
+    <p:spTree>
+      <p:nvGrpSpPr>
+        <p:cNvPr id="1" name=""/>
+        <p:cNvGrpSpPr/>
+        <p:nvPr/>
+      </p:nvGrpSpPr>
+      <p:grpSpPr>
+        <a:xfrm>
+          <a:off x="0" y="0"/>
+          <a:ext cx="0" cy="0"/>
+          <a:chOff x="0" y="0"/>
+          <a:chExt cx="0" cy="0"/>
+        </a:xfrm>
+      </p:grpSpPr>
+      <p:sp>
+        <p:nvSpPr>
+          <p:cNvPr id="2" name="Title 1"/>
+          <p:cNvSpPr>
+            <a:spLocks noGrp="1"/>
+          </p:cNvSpPr>
+          <p:nvPr>
+            <p:ph type="title"/>
+          </p:nvPr>
+        </p:nvSpPr>
+        <p:spPr/>
+        <p:txBody>
+          <a:bodyPr/>
+          <a:lstStyle/>
+          <a:p>
+            <a:r>
+              <a:rPr lang="en-GB" dirty="0" smtClean="0"/>
+              <a:t>K-</a:t>
+            </a:r>
+            <a:r>
+              <a:rPr lang="en-GB" dirty="0" err="1" smtClean="0"/>
+              <a:t>mers</a:t>
+            </a:r>
+            <a:r>
+              <a:rPr lang="en-GB" dirty="0" smtClean="0"/>
+              <a:t> again</a:t>
+            </a:r>
+            <a:endParaRPr lang="en-GB" dirty="0"/>
+          </a:p>
+        </p:txBody>
+      </p:sp>
+      <p:sp>
+        <p:nvSpPr>
+          <p:cNvPr id="4" name="TextBox 3"/>
+          <p:cNvSpPr txBox="1"/>
+          <p:nvPr/>
+        </p:nvSpPr>
+        <p:spPr>
+          <a:xfrm>
+            <a:off x="2259723" y="2276872"/>
+            <a:ext cx="1593898" cy="2246769"/>
+          </a:xfrm>
+          <a:prstGeom prst="rect">
+            <a:avLst/>
+          </a:prstGeom>
+          <a:noFill/>
+        </p:spPr>
+        <p:txBody>
+          <a:bodyPr wrap="none" rtlCol="0">
+            <a:spAutoFit/>
+          </a:bodyPr>
+          <a:lstStyle/>
+          <a:p>
+            <a:r>
+              <a:rPr lang="en-US" sz="2000" dirty="0" smtClean="0">
+                <a:latin typeface="Courier"/>
+              </a:rPr>
+              <a:t>GACCTACA</a:t>
+            </a:r>
+          </a:p>
+          <a:p>
+            <a:r>
+              <a:rPr lang="en-US" sz="2000" dirty="0" smtClean="0">
+                <a:latin typeface="Courier"/>
+              </a:rPr>
+              <a:t>GAC</a:t>
+            </a:r>
+          </a:p>
+          <a:p>
+            <a:r>
+              <a:rPr lang="en-US" sz="2000" dirty="0" smtClean="0">
+                <a:latin typeface="Courier"/>
+              </a:rPr>
+              <a:t> ACC</a:t>
+            </a:r>
+          </a:p>
+          <a:p>
+            <a:r>
+              <a:rPr lang="en-US" sz="2000" dirty="0" smtClean="0">
+                <a:latin typeface="Courier"/>
+              </a:rPr>
+              <a:t>  CCT</a:t>
+            </a:r>
+          </a:p>
+          <a:p>
+            <a:r>
+              <a:rPr lang="en-US" sz="2000" dirty="0" smtClean="0">
+                <a:latin typeface="Courier"/>
+              </a:rPr>
+              <a:t>   CTA</a:t>
+            </a:r>
+          </a:p>
+          <a:p>
+            <a:r>
+              <a:rPr lang="en-US" sz="2000" dirty="0" smtClean="0">
+                <a:latin typeface="Courier"/>
+              </a:rPr>
+              <a:t>    TAC</a:t>
+            </a:r>
+          </a:p>
+          <a:p>
+            <a:r>
+              <a:rPr lang="en-US" sz="2000" dirty="0" smtClean="0">
+                <a:latin typeface="Courier"/>
+              </a:rPr>
+              <a:t>     ACA</a:t>
+            </a:r>
+          </a:p>
+        </p:txBody>
+      </p:sp>
+      <p:sp>
+        <p:nvSpPr>
+          <p:cNvPr id="5" name="TextBox 4"/>
+          <p:cNvSpPr txBox="1"/>
+          <p:nvPr/>
+        </p:nvSpPr>
+        <p:spPr>
+          <a:xfrm>
+            <a:off x="1493616" y="2315368"/>
+            <a:ext cx="705962" cy="400110"/>
+          </a:xfrm>
+          <a:prstGeom prst="rect">
+            <a:avLst/>
+          </a:prstGeom>
+          <a:noFill/>
+        </p:spPr>
+        <p:txBody>
+          <a:bodyPr wrap="none" rtlCol="0">
+            <a:spAutoFit/>
+          </a:bodyPr>
+          <a:lstStyle/>
+          <a:p>
+            <a:pPr algn="r"/>
+            <a:r>
+              <a:rPr lang="en-US" sz="2000" dirty="0" smtClean="0"/>
+              <a:t>Read</a:t>
+            </a:r>
+            <a:endParaRPr lang="en-US" sz="2000" dirty="0"/>
+          </a:p>
+        </p:txBody>
+      </p:sp>
+      <p:sp>
+        <p:nvSpPr>
+          <p:cNvPr id="6" name="TextBox 5"/>
+          <p:cNvSpPr txBox="1"/>
+          <p:nvPr/>
+        </p:nvSpPr>
+        <p:spPr>
+          <a:xfrm>
+            <a:off x="737704" y="3181736"/>
+            <a:ext cx="1522019" cy="400110"/>
+          </a:xfrm>
+          <a:prstGeom prst="rect">
+            <a:avLst/>
+          </a:prstGeom>
+          <a:noFill/>
+        </p:spPr>
+        <p:txBody>
+          <a:bodyPr wrap="none" rtlCol="0">
+            <a:spAutoFit/>
+          </a:bodyPr>
+          <a:lstStyle/>
+          <a:p>
+            <a:pPr algn="r"/>
+            <a:r>
+              <a:rPr lang="en-US" sz="2000" dirty="0" smtClean="0"/>
+              <a:t>K-</a:t>
+            </a:r>
+            <a:r>
+              <a:rPr lang="en-US" sz="2000" dirty="0" err="1" smtClean="0"/>
+              <a:t>mers</a:t>
+            </a:r>
+            <a:r>
+              <a:rPr lang="en-US" sz="2000" dirty="0" smtClean="0"/>
+              <a:t> (K=3)</a:t>
+            </a:r>
+            <a:endParaRPr lang="en-US" sz="2000" dirty="0"/>
+          </a:p>
+        </p:txBody>
+      </p:sp>
+      <p:sp>
+        <p:nvSpPr>
+          <p:cNvPr id="7" name="TextBox 6"/>
+          <p:cNvSpPr txBox="1"/>
+          <p:nvPr/>
+        </p:nvSpPr>
+        <p:spPr>
+          <a:xfrm>
+            <a:off x="2759480" y="4492863"/>
+            <a:ext cx="2011641" cy="400110"/>
+          </a:xfrm>
+          <a:prstGeom prst="rect">
+            <a:avLst/>
+          </a:prstGeom>
+          <a:noFill/>
+        </p:spPr>
+        <p:txBody>
+          <a:bodyPr wrap="none" rtlCol="0">
+            <a:spAutoFit/>
+          </a:bodyPr>
+          <a:lstStyle/>
+          <a:p>
+            <a:r>
+              <a:rPr lang="en-US" sz="2000" dirty="0" smtClean="0"/>
+              <a:t>K-1 bases overlap</a:t>
+            </a:r>
+            <a:endParaRPr lang="en-US" sz="2000" dirty="0"/>
+          </a:p>
+        </p:txBody>
+      </p:sp>
+      <p:sp>
+        <p:nvSpPr>
+          <p:cNvPr id="8" name="Left Bracket 7"/>
+          <p:cNvSpPr/>
+          <p:nvPr/>
+        </p:nvSpPr>
+        <p:spPr>
+          <a:xfrm>
+            <a:off x="2259723" y="2684700"/>
+            <a:ext cx="45719" cy="1472918"/>
+          </a:xfrm>
+          <a:prstGeom prst="leftBracket">
+            <a:avLst/>
+          </a:prstGeom>
+        </p:spPr>
+        <p:style>
+          <a:lnRef idx="2">
+            <a:schemeClr val="accent1"/>
+          </a:lnRef>
+          <a:fillRef idx="0">
+            <a:schemeClr val="accent1"/>
+          </a:fillRef>
+          <a:effectRef idx="1">
+            <a:schemeClr val="accent1"/>
+          </a:effectRef>
+          <a:fontRef idx="minor">
+            <a:schemeClr val="tx1"/>
+          </a:fontRef>
+        </p:style>
+        <p:txBody>
+          <a:bodyPr rtlCol="0" anchor="ctr"/>
+          <a:lstStyle/>
+          <a:p>
+            <a:pPr algn="ctr"/>
+            <a:endParaRPr lang="en-US" sz="2000"/>
+          </a:p>
+        </p:txBody>
+      </p:sp>
+      <p:grpSp>
+        <p:nvGrpSpPr>
+          <p:cNvPr id="9" name="Group 8"/>
+          <p:cNvGrpSpPr/>
+          <p:nvPr/>
+        </p:nvGrpSpPr>
+        <p:grpSpPr>
+          <a:xfrm>
+            <a:off x="4414345" y="2662068"/>
+            <a:ext cx="3630449" cy="1077310"/>
+            <a:chOff x="4414345" y="3926036"/>
+            <a:chExt cx="3630449" cy="1077310"/>
+          </a:xfrm>
+        </p:grpSpPr>
+        <p:pic>
+          <p:nvPicPr>
+            <p:cNvPr id="10" name="Picture 9"/>
+            <p:cNvPicPr>
+              <a:picLocks noChangeAspect="1" noChangeArrowheads="1"/>
+            </p:cNvPicPr>
+            <p:nvPr/>
+          </p:nvPicPr>
+          <p:blipFill>
+            <a:blip r:embed="rId2" cstate="print"/>
+            <a:srcRect t="67504" r="50209" b="12525"/>
+            <a:stretch>
+              <a:fillRect/>
+            </a:stretch>
+          </p:blipFill>
+          <p:spPr bwMode="auto">
+            <a:xfrm>
+              <a:off x="4414345" y="3926036"/>
+              <a:ext cx="3630449" cy="1077310"/>
+            </a:xfrm>
+            <a:prstGeom prst="rect">
+              <a:avLst/>
+            </a:prstGeom>
+            <a:noFill/>
+            <a:ln w="9525">
+              <a:noFill/>
+              <a:round/>
+              <a:headEnd/>
+              <a:tailEnd/>
+            </a:ln>
+            <a:effectLst/>
+          </p:spPr>
+        </p:pic>
+        <p:sp>
+          <p:nvSpPr>
+            <p:cNvPr id="11" name="TextBox 10"/>
+            <p:cNvSpPr txBox="1"/>
+            <p:nvPr/>
+          </p:nvSpPr>
+          <p:spPr>
+            <a:xfrm>
+              <a:off x="5552965" y="3926036"/>
+              <a:ext cx="1779205" cy="400110"/>
+            </a:xfrm>
+            <a:prstGeom prst="rect">
+              <a:avLst/>
+            </a:prstGeom>
+            <a:noFill/>
+          </p:spPr>
+          <p:txBody>
+            <a:bodyPr wrap="none" rtlCol="0">
+              <a:spAutoFit/>
+            </a:bodyPr>
+            <a:lstStyle/>
+            <a:p>
+              <a:r>
+                <a:rPr lang="en-US" sz="2000" dirty="0" smtClean="0"/>
+                <a:t>de </a:t>
+              </a:r>
+              <a:r>
+                <a:rPr lang="en-US" sz="2000" dirty="0" err="1" smtClean="0"/>
+                <a:t>Bruijn</a:t>
+              </a:r>
+              <a:r>
+                <a:rPr lang="en-US" sz="2000" dirty="0" smtClean="0"/>
+                <a:t> graph</a:t>
+              </a:r>
+              <a:endParaRPr lang="en-US" sz="2000" dirty="0"/>
+            </a:p>
+          </p:txBody>
+        </p:sp>
+      </p:grpSp>
+    </p:spTree>
+  </p:cSld>
+  <p:clrMapOvr>
+    <a:masterClrMapping/>
+  </p:clrMapOvr>
+  <p:timing>
+    <p:tnLst>
+      <p:par>
+        <p:cTn id="1" dur="indefinite" restart="never" nodeType="tmRoot">
+          <p:childTnLst>
+            <p:seq concurrent="1" nextAc="seek">
+              <p:cTn id="2" dur="indefinite" nodeType="mainSeq">
+                <p:childTnLst>
+                  <p:par>
+                    <p:cTn id="3" fill="hold">
+                      <p:stCondLst>
+                        <p:cond delay="indefinite"/>
+                      </p:stCondLst>
+                      <p:childTnLst>
+                        <p:par>
+                          <p:cTn id="4" fill="hold">
+                            <p:stCondLst>
+                              <p:cond delay="0"/>
+                            </p:stCondLst>
+                            <p:childTnLst>
+                              <p:par>
+                                <p:cTn id="5" presetID="1" presetClass="entr" presetSubtype="0" fill="hold" nodeType="clickEffect">
+                                  <p:stCondLst>
+                                    <p:cond delay="0"/>
+                                  </p:stCondLst>
+                                  <p:childTnLst>
+                                    <p:set>
+                                      <p:cBhvr>
+                                        <p:cTn id="6" dur="1" fill="hold">
+                                          <p:stCondLst>
+                                            <p:cond delay="0"/>
+                                          </p:stCondLst>
+                                        </p:cTn>
+                                        <p:tgtEl>
+                                          <p:spTgt spid="9"/>
+                                        </p:tgtEl>
+                                        <p:attrNameLst>
+                                          <p:attrName>style.visibility</p:attrName>
+                                        </p:attrNameLst>
+                                      </p:cBhvr>
+                                      <p:to>
+                                        <p:strVal val="visible"/>
+                                      </p:to>
+                                    </p:set>
+                                  </p:childTnLst>
+                                </p:cTn>
+                              </p:par>
+                            </p:childTnLst>
+                          </p:cTn>
+                        </p:par>
+                      </p:childTnLst>
+                    </p:cTn>
+                  </p:par>
+                </p:childTnLst>
+              </p:cTn>
+              <p:prevCondLst>
+                <p:cond evt="onPrev" delay="0">
+                  <p:tgtEl>
+                    <p:sldTgt/>
+                  </p:tgtEl>
+                </p:cond>
+              </p:prevCondLst>
+              <p:nextCondLst>
+                <p:cond evt="onNext" delay="0">
+                  <p:tgtEl>
+                    <p:sldTgt/>
+                  </p:tgtEl>
+                </p:cond>
+              </p:nextCondLst>
+            </p:seq>
+          </p:childTnLst>
+        </p:cTn>
+      </p:par>
+    </p:tnLst>
+  </p:timing>
+</p:sld>
+</file>
+
+<file path=ppt/slides/slide4.xml><?xml version="1.0" encoding="utf-8"?>
+<p:sld xmlns:a="http://schemas.openxmlformats.org/drawingml/2006/main" xmlns:r="http://schemas.openxmlformats.org/officeDocument/2006/relationships" xmlns:p="http://schemas.openxmlformats.org/presentationml/2006/main">
+  <p:cSld>
+    <p:spTree>
+      <p:nvGrpSpPr>
+        <p:cNvPr id="1" name=""/>
+        <p:cNvGrpSpPr/>
+        <p:nvPr/>
+      </p:nvGrpSpPr>
+      <p:grpSpPr>
+        <a:xfrm>
+          <a:off x="0" y="0"/>
+          <a:ext cx="0" cy="0"/>
+          <a:chOff x="0" y="0"/>
+          <a:chExt cx="0" cy="0"/>
+        </a:xfrm>
+      </p:grpSpPr>
+      <p:sp>
+        <p:nvSpPr>
+          <p:cNvPr id="2" name="Title 1"/>
+          <p:cNvSpPr>
+            <a:spLocks noGrp="1"/>
+          </p:cNvSpPr>
+          <p:nvPr>
+            <p:ph type="title"/>
+          </p:nvPr>
+        </p:nvSpPr>
+        <p:spPr/>
+        <p:txBody>
+          <a:bodyPr/>
+          <a:lstStyle/>
+          <a:p>
+            <a:r>
+              <a:rPr lang="en-GB" dirty="0" smtClean="0"/>
+              <a:t>Counting k-</a:t>
+            </a:r>
+            <a:r>
+              <a:rPr lang="en-GB" dirty="0" err="1" smtClean="0"/>
+              <a:t>mers</a:t>
+            </a:r>
+            <a:endParaRPr lang="en-GB" dirty="0"/>
+          </a:p>
+        </p:txBody>
+      </p:sp>
+      <p:sp>
+        <p:nvSpPr>
+          <p:cNvPr id="3" name="Content Placeholder 2"/>
+          <p:cNvSpPr>
+            <a:spLocks noGrp="1"/>
+          </p:cNvSpPr>
+          <p:nvPr>
+            <p:ph idx="1"/>
+          </p:nvPr>
+        </p:nvSpPr>
+        <p:spPr/>
+        <p:txBody>
+          <a:bodyPr>
+            <a:normAutofit fontScale="92500" lnSpcReduction="10000"/>
+          </a:bodyPr>
+          <a:lstStyle/>
+          <a:p>
+            <a:r>
+              <a:rPr lang="en-GB" dirty="0" smtClean="0"/>
+              <a:t>Plotting k-</a:t>
+            </a:r>
+            <a:r>
+              <a:rPr lang="en-GB" dirty="0" err="1" smtClean="0"/>
+              <a:t>mer</a:t>
+            </a:r>
+            <a:r>
+              <a:rPr lang="en-GB" dirty="0" smtClean="0"/>
+              <a:t> frequencies is a quick and easy way of:</a:t>
+            </a:r>
+          </a:p>
+          <a:p>
+            <a:endParaRPr lang="en-GB" dirty="0" smtClean="0"/>
+          </a:p>
+          <a:p>
+            <a:pPr lvl="1"/>
+            <a:r>
+              <a:rPr lang="en-GB" dirty="0" smtClean="0"/>
+              <a:t>Estimating genome size</a:t>
+            </a:r>
+          </a:p>
+          <a:p>
+            <a:pPr lvl="1"/>
+            <a:endParaRPr lang="en-GB" dirty="0" smtClean="0"/>
+          </a:p>
+          <a:p>
+            <a:pPr lvl="1"/>
+            <a:r>
+              <a:rPr lang="en-GB" dirty="0" smtClean="0"/>
+              <a:t>Seeing copy number variation in genome</a:t>
+            </a:r>
+          </a:p>
+          <a:p>
+            <a:pPr lvl="1"/>
+            <a:endParaRPr lang="en-GB" dirty="0" smtClean="0"/>
+          </a:p>
+          <a:p>
+            <a:pPr lvl="1"/>
+            <a:r>
+              <a:rPr lang="en-GB" dirty="0" smtClean="0"/>
+              <a:t>Estimating sequence read error</a:t>
+            </a:r>
+          </a:p>
+          <a:p>
+            <a:pPr lvl="1"/>
+            <a:endParaRPr lang="en-GB" dirty="0" smtClean="0"/>
+          </a:p>
+          <a:p>
+            <a:pPr lvl="1"/>
+            <a:r>
+              <a:rPr lang="en-GB" dirty="0" smtClean="0"/>
+              <a:t>Planning a short-read assembly</a:t>
+            </a:r>
+          </a:p>
+          <a:p>
+            <a:pPr lvl="1">
+              <a:buNone/>
+            </a:pPr>
+            <a:endParaRPr lang="en-GB" dirty="0" smtClean="0"/>
+          </a:p>
+          <a:p>
+            <a:pPr lvl="1"/>
+            <a:endParaRPr lang="en-GB" dirty="0" smtClean="0"/>
+          </a:p>
+          <a:p>
+            <a:pPr lvl="1"/>
+            <a:endParaRPr lang="en-GB" dirty="0" smtClean="0"/>
+          </a:p>
+          <a:p>
+            <a:pPr lvl="1"/>
+            <a:endParaRPr lang="en-GB" dirty="0"/>
+          </a:p>
+        </p:txBody>
+      </p:sp>
+    </p:spTree>
+  </p:cSld>
+  <p:clrMapOvr>
+    <a:masterClrMapping/>
+  </p:clrMapOvr>
+</p:sld>
+</file>
+
+<file path=ppt/slides/slide5.xml><?xml version="1.0" encoding="utf-8"?>
+<p:sld xmlns:a="http://schemas.openxmlformats.org/drawingml/2006/main" xmlns:r="http://schemas.openxmlformats.org/officeDocument/2006/relationships" xmlns:p="http://schemas.openxmlformats.org/presentationml/2006/main">
+  <p:cSld>
+    <p:spTree>
+      <p:nvGrpSpPr>
+        <p:cNvPr id="1" name=""/>
+        <p:cNvGrpSpPr/>
+        <p:nvPr/>
+      </p:nvGrpSpPr>
+      <p:grpSpPr>
+        <a:xfrm>
+          <a:off x="0" y="0"/>
+          <a:ext cx="0" cy="0"/>
+          <a:chOff x="0" y="0"/>
+          <a:chExt cx="0" cy="0"/>
+        </a:xfrm>
+      </p:grpSpPr>
+      <p:sp>
+        <p:nvSpPr>
+          <p:cNvPr id="2" name="Title 1"/>
+          <p:cNvSpPr>
+            <a:spLocks noGrp="1"/>
+          </p:cNvSpPr>
+          <p:nvPr>
+            <p:ph type="title"/>
+          </p:nvPr>
+        </p:nvSpPr>
+        <p:spPr/>
+        <p:txBody>
+          <a:bodyPr/>
+          <a:lstStyle/>
+          <a:p>
+            <a:r>
+              <a:rPr lang="en-GB" dirty="0" smtClean="0"/>
+              <a:t>Idealised k-</a:t>
+            </a:r>
+            <a:r>
+              <a:rPr lang="en-GB" dirty="0" err="1" smtClean="0"/>
+              <a:t>mer</a:t>
+            </a:r>
+            <a:r>
+              <a:rPr lang="en-GB" dirty="0" smtClean="0"/>
+              <a:t> plot</a:t>
+            </a:r>
+            <a:endParaRPr lang="en-GB" dirty="0"/>
+          </a:p>
+        </p:txBody>
+      </p:sp>
+      <p:pic>
+        <p:nvPicPr>
+          <p:cNvPr id="4" name="Picture 3"/>
+          <p:cNvPicPr>
+            <a:picLocks noChangeAspect="1"/>
+          </p:cNvPicPr>
+          <p:nvPr/>
+        </p:nvPicPr>
+        <p:blipFill>
+          <a:blip r:embed="rId2" cstate="print"/>
+          <a:stretch>
+            <a:fillRect/>
+          </a:stretch>
+        </p:blipFill>
+        <p:spPr>
+          <a:xfrm>
+            <a:off x="1619672" y="1805439"/>
+            <a:ext cx="5544616" cy="5052561"/>
+          </a:xfrm>
+          <a:prstGeom prst="rect">
+            <a:avLst/>
+          </a:prstGeom>
+        </p:spPr>
+      </p:pic>
+    </p:spTree>
+  </p:cSld>
+  <p:clrMapOvr>
+    <a:masterClrMapping/>
+  </p:clrMapOvr>
+</p:sld>
+</file>
+
+<file path=ppt/slides/slide6.xml><?xml version="1.0" encoding="utf-8"?>
+<p:sld xmlns:a="http://schemas.openxmlformats.org/drawingml/2006/main" xmlns:r="http://schemas.openxmlformats.org/officeDocument/2006/relationships" xmlns:p="http://schemas.openxmlformats.org/presentationml/2006/main">
+  <p:cSld>
+    <p:spTree>
+      <p:nvGrpSpPr>
+        <p:cNvPr id="1" name=""/>
+        <p:cNvGrpSpPr/>
+        <p:nvPr/>
+      </p:nvGrpSpPr>
+      <p:grpSpPr>
+        <a:xfrm>
+          <a:off x="0" y="0"/>
+          <a:ext cx="0" cy="0"/>
+          <a:chOff x="0" y="0"/>
+          <a:chExt cx="0" cy="0"/>
+        </a:xfrm>
+      </p:grpSpPr>
+      <p:sp>
+        <p:nvSpPr>
+          <p:cNvPr id="2" name="Title 1"/>
+          <p:cNvSpPr>
+            <a:spLocks noGrp="1"/>
+          </p:cNvSpPr>
+          <p:nvPr>
+            <p:ph type="title"/>
+          </p:nvPr>
+        </p:nvSpPr>
+        <p:spPr/>
+        <p:txBody>
+          <a:bodyPr/>
+          <a:lstStyle/>
+          <a:p>
+            <a:r>
+              <a:rPr lang="en-GB" dirty="0" smtClean="0"/>
+              <a:t>A simple K-</a:t>
+            </a:r>
+            <a:r>
+              <a:rPr lang="en-GB" dirty="0" err="1" smtClean="0"/>
+              <a:t>mer</a:t>
+            </a:r>
+            <a:r>
+              <a:rPr lang="en-GB" dirty="0" smtClean="0"/>
+              <a:t> plot</a:t>
+            </a:r>
+            <a:endParaRPr lang="en-GB" dirty="0"/>
+          </a:p>
+        </p:txBody>
+      </p:sp>
+      <p:pic>
+        <p:nvPicPr>
+          <p:cNvPr id="2050" name="Picture 2" descr="https://banana-slug.soe.ucsc.edu/_media/bioinformatic_tools:fit-gamma.png"/>
+          <p:cNvPicPr>
+            <a:picLocks noChangeAspect="1" noChangeArrowheads="1"/>
+          </p:cNvPicPr>
+          <p:nvPr/>
+        </p:nvPicPr>
+        <p:blipFill>
+          <a:blip r:embed="rId2" cstate="print"/>
+          <a:srcRect/>
+          <a:stretch>
+            <a:fillRect/>
+          </a:stretch>
+        </p:blipFill>
+        <p:spPr bwMode="auto">
+          <a:xfrm>
+            <a:off x="1331640" y="1700808"/>
+            <a:ext cx="6096000" cy="4572000"/>
+          </a:xfrm>
+          <a:prstGeom prst="rect">
+            <a:avLst/>
+          </a:prstGeom>
+          <a:noFill/>
+        </p:spPr>
+      </p:pic>
+      <p:sp>
+        <p:nvSpPr>
+          <p:cNvPr id="5" name="TextBox 4"/>
+          <p:cNvSpPr txBox="1"/>
+          <p:nvPr/>
+        </p:nvSpPr>
+        <p:spPr>
+          <a:xfrm>
+            <a:off x="2771800" y="6381328"/>
+            <a:ext cx="6372200" cy="369332"/>
+          </a:xfrm>
+          <a:prstGeom prst="rect">
+            <a:avLst/>
+          </a:prstGeom>
+          <a:noFill/>
+        </p:spPr>
+        <p:txBody>
+          <a:bodyPr wrap="square" rtlCol="0">
+            <a:spAutoFit/>
+          </a:bodyPr>
+          <a:lstStyle/>
+          <a:p>
+            <a:r>
+              <a:rPr lang="en-GB" dirty="0" smtClean="0">
+                <a:hlinkClick r:id="rId3"/>
+              </a:rPr>
+              <a:t>https://banana-slug.soe.ucsc.edu/bioinformatic_tools:jellyfish</a:t>
+            </a:r>
+            <a:endParaRPr lang="en-GB" dirty="0"/>
+          </a:p>
+        </p:txBody>
+      </p:sp>
+    </p:spTree>
+  </p:cSld>
+  <p:clrMapOvr>
+    <a:masterClrMapping/>
+  </p:clrMapOvr>
+</p:sld>
+</file>
+
+<file path=ppt/slides/slide7.xml><?xml version="1.0" encoding="utf-8"?>
+<p:sld xmlns:a="http://schemas.openxmlformats.org/drawingml/2006/main" xmlns:r="http://schemas.openxmlformats.org/officeDocument/2006/relationships" xmlns:p="http://schemas.openxmlformats.org/presentationml/2006/main">
+  <p:cSld>
+    <p:spTree>
+      <p:nvGrpSpPr>
+        <p:cNvPr id="1" name=""/>
+        <p:cNvGrpSpPr/>
+        <p:nvPr/>
+      </p:nvGrpSpPr>
+      <p:grpSpPr>
+        <a:xfrm>
+          <a:off x="0" y="0"/>
+          <a:ext cx="0" cy="0"/>
+          <a:chOff x="0" y="0"/>
+          <a:chExt cx="0" cy="0"/>
+        </a:xfrm>
+      </p:grpSpPr>
+      <p:pic>
+        <p:nvPicPr>
+          <p:cNvPr id="33794" name="Picture 2"/>
+          <p:cNvPicPr>
+            <a:picLocks noChangeAspect="1" noChangeArrowheads="1"/>
+          </p:cNvPicPr>
+          <p:nvPr/>
+        </p:nvPicPr>
+        <p:blipFill>
+          <a:blip r:embed="rId2" cstate="print"/>
+          <a:srcRect/>
+          <a:stretch>
+            <a:fillRect/>
+          </a:stretch>
+        </p:blipFill>
+        <p:spPr bwMode="auto">
+          <a:xfrm>
+            <a:off x="195263" y="-459432"/>
+            <a:ext cx="8753475" cy="5257800"/>
+          </a:xfrm>
+          <a:prstGeom prst="rect">
+            <a:avLst/>
+          </a:prstGeom>
+          <a:noFill/>
+          <a:ln w="9525">
+            <a:noFill/>
+            <a:miter lim="800000"/>
+            <a:headEnd/>
+            <a:tailEnd/>
+          </a:ln>
+        </p:spPr>
+      </p:pic>
+      <p:pic>
+        <p:nvPicPr>
+          <p:cNvPr id="5" name="Picture 2"/>
+          <p:cNvPicPr>
+            <a:picLocks noChangeAspect="1" noChangeArrowheads="1"/>
+          </p:cNvPicPr>
+          <p:nvPr/>
+        </p:nvPicPr>
+        <p:blipFill>
+          <a:blip r:embed="rId3" cstate="print"/>
+          <a:srcRect/>
+          <a:stretch>
+            <a:fillRect/>
+          </a:stretch>
+        </p:blipFill>
+        <p:spPr bwMode="auto">
+          <a:xfrm>
+            <a:off x="1259632" y="4437112"/>
+            <a:ext cx="6768752" cy="2360531"/>
+          </a:xfrm>
+          <a:prstGeom prst="rect">
+            <a:avLst/>
+          </a:prstGeom>
+          <a:noFill/>
+          <a:ln w="9525">
+            <a:noFill/>
+            <a:miter lim="800000"/>
+            <a:headEnd/>
+            <a:tailEnd/>
+          </a:ln>
+        </p:spPr>
+      </p:pic>
+    </p:spTree>
+  </p:cSld>
+  <p:clrMapOvr>
+    <a:masterClrMapping/>
+  </p:clrMapOvr>
+</p:sld>
+</file>
+
+<file path=ppt/slides/slide8.xml><?xml version="1.0" encoding="utf-8"?>
+<p:sld xmlns:a="http://schemas.openxmlformats.org/drawingml/2006/main" xmlns:r="http://schemas.openxmlformats.org/officeDocument/2006/relationships" xmlns:p="http://schemas.openxmlformats.org/presentationml/2006/main">
+  <p:cSld>
+    <p:spTree>
+      <p:nvGrpSpPr>
+        <p:cNvPr id="1" name=""/>
+        <p:cNvGrpSpPr/>
+        <p:nvPr/>
+      </p:nvGrpSpPr>
+      <p:grpSpPr>
+        <a:xfrm>
+          <a:off x="0" y="0"/>
+          <a:ext cx="0" cy="0"/>
+          <a:chOff x="0" y="0"/>
+          <a:chExt cx="0" cy="0"/>
+        </a:xfrm>
+      </p:grpSpPr>
+      <p:pic>
+        <p:nvPicPr>
+          <p:cNvPr id="32772" name="Picture 4"/>
+          <p:cNvPicPr>
+            <a:picLocks noChangeAspect="1" noChangeArrowheads="1"/>
+          </p:cNvPicPr>
+          <p:nvPr/>
+        </p:nvPicPr>
+        <p:blipFill>
+          <a:blip r:embed="rId2" cstate="print"/>
+          <a:srcRect/>
+          <a:stretch>
+            <a:fillRect/>
+          </a:stretch>
+        </p:blipFill>
+        <p:spPr bwMode="auto">
+          <a:xfrm>
+            <a:off x="195263" y="800100"/>
+            <a:ext cx="8753475" cy="5257800"/>
+          </a:xfrm>
+          <a:prstGeom prst="rect">
+            <a:avLst/>
+          </a:prstGeom>
+          <a:noFill/>
+          <a:ln w="9525">
+            <a:noFill/>
+            <a:miter lim="800000"/>
+            <a:headEnd/>
+            <a:tailEnd/>
+          </a:ln>
+        </p:spPr>
+      </p:pic>
+    </p:spTree>
+  </p:cSld>
+  <p:clrMapOvr>
+    <a:masterClrMapping/>
+  </p:clrMapOvr>
+</p:sld>
+</file>
+
+<file path=ppt/slides/slide9.xml><?xml version="1.0" encoding="utf-8"?>
+<p:sld xmlns:a="http://schemas.openxmlformats.org/drawingml/2006/main" xmlns:r="http://schemas.openxmlformats.org/officeDocument/2006/relationships" xmlns:p="http://schemas.openxmlformats.org/presentationml/2006/main">
+  <p:cSld>
+    <p:spTree>
+      <p:nvGrpSpPr>
+        <p:cNvPr id="1" name=""/>
+        <p:cNvGrpSpPr/>
+        <p:nvPr/>
+      </p:nvGrpSpPr>
+      <p:grpSpPr>
+        <a:xfrm>
+          <a:off x="0" y="0"/>
+          <a:ext cx="0" cy="0"/>
+          <a:chOff x="0" y="0"/>
+          <a:chExt cx="0" cy="0"/>
+        </a:xfrm>
+      </p:grpSpPr>
+      <p:sp>
+        <p:nvSpPr>
+          <p:cNvPr id="2" name="Title 1"/>
+          <p:cNvSpPr>
+            <a:spLocks noGrp="1"/>
+          </p:cNvSpPr>
+          <p:nvPr>
+            <p:ph type="title"/>
+          </p:nvPr>
+        </p:nvSpPr>
+        <p:spPr/>
+        <p:txBody>
+          <a:bodyPr/>
+          <a:lstStyle/>
+          <a:p>
+            <a:r>
+              <a:rPr lang="en-GB" i="1" dirty="0" smtClean="0"/>
+              <a:t>K-</a:t>
+            </a:r>
+            <a:r>
+              <a:rPr lang="en-GB" i="1" dirty="0" err="1" smtClean="0"/>
+              <a:t>mers</a:t>
+            </a:r>
+            <a:r>
+              <a:rPr lang="en-GB" i="1" dirty="0" smtClean="0"/>
+              <a:t> and K</a:t>
+            </a:r>
+            <a:endParaRPr lang="en-GB" dirty="0"/>
+          </a:p>
+        </p:txBody>
+      </p:sp>
+      <p:sp>
+        <p:nvSpPr>
+          <p:cNvPr id="5" name="Rectangle 4"/>
+          <p:cNvSpPr/>
+          <p:nvPr/>
+        </p:nvSpPr>
+        <p:spPr>
+          <a:xfrm>
+            <a:off x="1331640" y="1484784"/>
+            <a:ext cx="6696744" cy="5170646"/>
+          </a:xfrm>
+          <a:prstGeom prst="rect">
+            <a:avLst/>
+          </a:prstGeom>
+        </p:spPr>
+        <p:txBody>
+          <a:bodyPr wrap="square">
+            <a:spAutoFit/>
+          </a:bodyPr>
+          <a:lstStyle/>
+          <a:p>
+            <a:r>
+              <a:rPr lang="en-GB" sz="2400" dirty="0" smtClean="0"/>
+              <a:t>T</a:t>
+            </a:r>
+            <a:r>
+              <a:rPr lang="en-GB" sz="2400" dirty="0" smtClean="0"/>
+              <a:t>here </a:t>
+            </a:r>
+            <a:r>
+              <a:rPr lang="en-GB" sz="2400" dirty="0" smtClean="0"/>
+              <a:t>is no magical value of k which gives best assemblies</a:t>
+            </a:r>
+          </a:p>
+          <a:p>
+            <a:endParaRPr lang="en-GB" sz="2400" dirty="0" smtClean="0"/>
+          </a:p>
+          <a:p>
+            <a:r>
+              <a:rPr lang="en-GB" sz="2400" dirty="0" smtClean="0"/>
+              <a:t>Depends on read length, sequencing error, rate of polymorphism, coverage</a:t>
+            </a:r>
+          </a:p>
+          <a:p>
+            <a:endParaRPr lang="en-GB" sz="2400" dirty="0" smtClean="0"/>
+          </a:p>
+          <a:p>
+            <a:r>
+              <a:rPr lang="en-GB" sz="2400" dirty="0" smtClean="0"/>
+              <a:t>But some rules:</a:t>
+            </a:r>
+          </a:p>
+          <a:p>
+            <a:endParaRPr lang="en-GB" sz="2400" dirty="0" smtClean="0"/>
+          </a:p>
+          <a:p>
+            <a:pPr>
+              <a:buFont typeface="Arial" pitchFamily="34" charset="0"/>
+              <a:buChar char="•"/>
+            </a:pPr>
+            <a:r>
+              <a:rPr lang="en-GB" sz="2400" dirty="0" smtClean="0"/>
+              <a:t>k must be less than the read length</a:t>
+            </a:r>
+          </a:p>
+          <a:p>
+            <a:pPr>
+              <a:buFont typeface="Arial" pitchFamily="34" charset="0"/>
+              <a:buChar char="•"/>
+            </a:pPr>
+            <a:r>
+              <a:rPr lang="en-GB" sz="2400" dirty="0" smtClean="0"/>
+              <a:t>k </a:t>
+            </a:r>
+            <a:r>
+              <a:rPr lang="en-GB" sz="2400" dirty="0" smtClean="0"/>
+              <a:t>can't be an even number (can produce palindromes)</a:t>
+            </a:r>
+          </a:p>
+          <a:p>
+            <a:pPr>
+              <a:buFont typeface="Arial" pitchFamily="34" charset="0"/>
+              <a:buChar char="•"/>
+            </a:pPr>
+            <a:r>
+              <a:rPr lang="en-GB" sz="2400" dirty="0" smtClean="0"/>
+              <a:t>Bigger </a:t>
+            </a:r>
+            <a:r>
+              <a:rPr lang="en-GB" sz="2400" i="1" dirty="0" smtClean="0"/>
+              <a:t>k </a:t>
+            </a:r>
+            <a:r>
+              <a:rPr lang="en-GB" sz="2400" dirty="0" smtClean="0"/>
+              <a:t>– fewer overlaps, lower k-</a:t>
+            </a:r>
+            <a:r>
+              <a:rPr lang="en-GB" sz="2400" dirty="0" err="1" smtClean="0"/>
+              <a:t>mer</a:t>
+            </a:r>
+            <a:r>
+              <a:rPr lang="en-GB" sz="2400" dirty="0" smtClean="0"/>
+              <a:t> coverage</a:t>
+            </a:r>
+          </a:p>
+          <a:p>
+            <a:pPr>
+              <a:buFont typeface="Arial" pitchFamily="34" charset="0"/>
+              <a:buChar char="•"/>
+            </a:pPr>
+            <a:r>
+              <a:rPr lang="en-GB" sz="2400" dirty="0" smtClean="0"/>
+              <a:t>Lower </a:t>
+            </a:r>
+            <a:r>
+              <a:rPr lang="en-GB" sz="2400" i="1" dirty="0" smtClean="0"/>
+              <a:t>k</a:t>
+            </a:r>
+            <a:r>
+              <a:rPr lang="en-GB" sz="2400" dirty="0" smtClean="0"/>
+              <a:t> – more overlaps, more coverage</a:t>
+            </a:r>
           </a:p>
           <a:p>
             <a:endParaRPr lang="en-GB" dirty="0"/>
